--- a/reference/MultiVar Editable Figures 26Jan2025.pptx
+++ b/reference/MultiVar Editable Figures 26Jan2025.pptx
@@ -11923,7 +11923,7 @@
           </p:nvSpPr>
           <p:spPr>
             <a:xfrm>
-              <a:off x="4699085" y="3329116"/>
+              <a:off x="4699228" y="3329000"/>
               <a:ext cx="888928" cy="131139"/>
             </a:xfrm>
             <a:prstGeom prst="rect">
@@ -11969,7 +11969,7 @@
           </p:nvSpPr>
           <p:spPr>
             <a:xfrm>
-              <a:off x="2943798" y="4158178"/>
+              <a:off x="2946866" y="4156866"/>
               <a:ext cx="815816" cy="131139"/>
             </a:xfrm>
             <a:prstGeom prst="rect">
@@ -12015,7 +12015,7 @@
           </p:nvSpPr>
           <p:spPr>
             <a:xfrm>
-              <a:off x="5101841" y="2689153"/>
+              <a:off x="5077578" y="2689155"/>
               <a:ext cx="851744" cy="131139"/>
             </a:xfrm>
             <a:prstGeom prst="rect">
@@ -12061,7 +12061,7 @@
           </p:nvSpPr>
           <p:spPr>
             <a:xfrm>
-              <a:off x="5174953" y="2910832"/>
+              <a:off x="5102945" y="2910919"/>
               <a:ext cx="778631" cy="104871"/>
             </a:xfrm>
             <a:prstGeom prst="rect">
@@ -14460,7 +14460,7 @@
           </p:nvSpPr>
           <p:spPr>
             <a:xfrm>
-              <a:off x="1616055" y="2237136"/>
+              <a:off x="1585984" y="2237136"/>
               <a:ext cx="70347" cy="70347"/>
             </a:xfrm>
             <a:prstGeom prst="ellipse">
@@ -14495,7 +14495,7 @@
           </p:nvSpPr>
           <p:spPr>
             <a:xfrm>
-              <a:off x="1547841" y="2237136"/>
+              <a:off x="1643391" y="2237136"/>
               <a:ext cx="70347" cy="70347"/>
             </a:xfrm>
             <a:prstGeom prst="ellipse">
@@ -14530,7 +14530,7 @@
           </p:nvSpPr>
           <p:spPr>
             <a:xfrm>
-              <a:off x="1616283" y="2255731"/>
+              <a:off x="1614830" y="2255731"/>
               <a:ext cx="70347" cy="70347"/>
             </a:xfrm>
             <a:prstGeom prst="ellipse">
@@ -14565,7 +14565,7 @@
           </p:nvSpPr>
           <p:spPr>
             <a:xfrm>
-              <a:off x="1540359" y="2218541"/>
+              <a:off x="1614981" y="2218541"/>
               <a:ext cx="70347" cy="70347"/>
             </a:xfrm>
             <a:prstGeom prst="ellipse">
@@ -14600,7 +14600,7 @@
           </p:nvSpPr>
           <p:spPr>
             <a:xfrm>
-              <a:off x="1568655" y="2237136"/>
+              <a:off x="1610413" y="2237136"/>
               <a:ext cx="70347" cy="70347"/>
             </a:xfrm>
             <a:prstGeom prst="ellipse">
@@ -14635,7 +14635,7 @@
           </p:nvSpPr>
           <p:spPr>
             <a:xfrm>
-              <a:off x="1534837" y="2181351"/>
+              <a:off x="1577164" y="2181351"/>
               <a:ext cx="70347" cy="70347"/>
             </a:xfrm>
             <a:prstGeom prst="ellipse">
@@ -14670,7 +14670,7 @@
           </p:nvSpPr>
           <p:spPr>
             <a:xfrm>
-              <a:off x="1553974" y="2237136"/>
+              <a:off x="1639621" y="2237136"/>
               <a:ext cx="70347" cy="70347"/>
             </a:xfrm>
             <a:prstGeom prst="ellipse">
@@ -14705,7 +14705,7 @@
           </p:nvSpPr>
           <p:spPr>
             <a:xfrm>
-              <a:off x="1591346" y="2218541"/>
+              <a:off x="1572416" y="2218541"/>
               <a:ext cx="70347" cy="70347"/>
             </a:xfrm>
             <a:prstGeom prst="ellipse">
@@ -14740,7 +14740,7 @@
           </p:nvSpPr>
           <p:spPr>
             <a:xfrm>
-              <a:off x="1610680" y="2237136"/>
+              <a:off x="1630400" y="2237136"/>
               <a:ext cx="70347" cy="70347"/>
             </a:xfrm>
             <a:prstGeom prst="ellipse">
@@ -14775,7 +14775,7 @@
           </p:nvSpPr>
           <p:spPr>
             <a:xfrm>
-              <a:off x="1576080" y="2218541"/>
+              <a:off x="1637392" y="2218541"/>
               <a:ext cx="70347" cy="70347"/>
             </a:xfrm>
             <a:prstGeom prst="ellipse">
@@ -14810,7 +14810,7 @@
           </p:nvSpPr>
           <p:spPr>
             <a:xfrm>
-              <a:off x="1526899" y="2218541"/>
+              <a:off x="1562907" y="2218541"/>
               <a:ext cx="70347" cy="70347"/>
             </a:xfrm>
             <a:prstGeom prst="ellipse">
@@ -14845,7 +14845,7 @@
           </p:nvSpPr>
           <p:spPr>
             <a:xfrm>
-              <a:off x="1640258" y="2199946"/>
+              <a:off x="1658476" y="2199946"/>
               <a:ext cx="70347" cy="70347"/>
             </a:xfrm>
             <a:prstGeom prst="ellipse">
@@ -14880,7 +14880,7 @@
           </p:nvSpPr>
           <p:spPr>
             <a:xfrm>
-              <a:off x="1526278" y="2237136"/>
+              <a:off x="1569106" y="2237136"/>
               <a:ext cx="70347" cy="70347"/>
             </a:xfrm>
             <a:prstGeom prst="ellipse">
@@ -14915,7 +14915,7 @@
           </p:nvSpPr>
           <p:spPr>
             <a:xfrm>
-              <a:off x="1540477" y="2292921"/>
+              <a:off x="1604611" y="2292921"/>
               <a:ext cx="70347" cy="70347"/>
             </a:xfrm>
             <a:prstGeom prst="ellipse">
@@ -14950,7 +14950,7 @@
           </p:nvSpPr>
           <p:spPr>
             <a:xfrm>
-              <a:off x="1652872" y="2274326"/>
+              <a:off x="1533214" y="2274326"/>
               <a:ext cx="70347" cy="70347"/>
             </a:xfrm>
             <a:prstGeom prst="ellipse">
@@ -14985,7 +14985,7 @@
           </p:nvSpPr>
           <p:spPr>
             <a:xfrm>
-              <a:off x="1622337" y="2218541"/>
+              <a:off x="1599106" y="2218541"/>
               <a:ext cx="70347" cy="70347"/>
             </a:xfrm>
             <a:prstGeom prst="ellipse">
@@ -15020,7 +15020,7 @@
           </p:nvSpPr>
           <p:spPr>
             <a:xfrm>
-              <a:off x="1621689" y="2255731"/>
+              <a:off x="1560979" y="2255731"/>
               <a:ext cx="70347" cy="70347"/>
             </a:xfrm>
             <a:prstGeom prst="ellipse">
@@ -15055,7 +15055,7 @@
           </p:nvSpPr>
           <p:spPr>
             <a:xfrm>
-              <a:off x="1596068" y="2237136"/>
+              <a:off x="1670862" y="2237136"/>
               <a:ext cx="70347" cy="70347"/>
             </a:xfrm>
             <a:prstGeom prst="ellipse">
@@ -15090,7 +15090,7 @@
           </p:nvSpPr>
           <p:spPr>
             <a:xfrm>
-              <a:off x="1551129" y="2181351"/>
+              <a:off x="1524189" y="2181351"/>
               <a:ext cx="70347" cy="70347"/>
             </a:xfrm>
             <a:prstGeom prst="ellipse">
@@ -15125,7 +15125,7 @@
           </p:nvSpPr>
           <p:spPr>
             <a:xfrm>
-              <a:off x="1567705" y="2218541"/>
+              <a:off x="1535946" y="2218541"/>
               <a:ext cx="70347" cy="70347"/>
             </a:xfrm>
             <a:prstGeom prst="ellipse">
@@ -15160,7 +15160,7 @@
           </p:nvSpPr>
           <p:spPr>
             <a:xfrm>
-              <a:off x="1572007" y="2181351"/>
+              <a:off x="1565238" y="2181351"/>
               <a:ext cx="70347" cy="70347"/>
             </a:xfrm>
             <a:prstGeom prst="ellipse">
@@ -15195,7 +15195,7 @@
           </p:nvSpPr>
           <p:spPr>
             <a:xfrm>
-              <a:off x="1671829" y="2218541"/>
+              <a:off x="1627030" y="2218541"/>
               <a:ext cx="70347" cy="70347"/>
             </a:xfrm>
             <a:prstGeom prst="ellipse">
@@ -15230,7 +15230,7 @@
           </p:nvSpPr>
           <p:spPr>
             <a:xfrm>
-              <a:off x="1668596" y="2311516"/>
+              <a:off x="1627485" y="2311516"/>
               <a:ext cx="70347" cy="70347"/>
             </a:xfrm>
             <a:prstGeom prst="ellipse">
@@ -15265,7 +15265,7 @@
           </p:nvSpPr>
           <p:spPr>
             <a:xfrm>
-              <a:off x="1660919" y="2181351"/>
+              <a:off x="1594582" y="2181351"/>
               <a:ext cx="70347" cy="70347"/>
             </a:xfrm>
             <a:prstGeom prst="ellipse">
@@ -15300,7 +15300,7 @@
           </p:nvSpPr>
           <p:spPr>
             <a:xfrm>
-              <a:off x="1660553" y="2144161"/>
+              <a:off x="1616197" y="2144161"/>
               <a:ext cx="70347" cy="70347"/>
             </a:xfrm>
             <a:prstGeom prst="ellipse">
@@ -15335,7 +15335,7 @@
           </p:nvSpPr>
           <p:spPr>
             <a:xfrm>
-              <a:off x="1530247" y="2199946"/>
+              <a:off x="1563133" y="2199946"/>
               <a:ext cx="70347" cy="70347"/>
             </a:xfrm>
             <a:prstGeom prst="ellipse">
@@ -15370,7 +15370,7 @@
           </p:nvSpPr>
           <p:spPr>
             <a:xfrm>
-              <a:off x="1559521" y="2199946"/>
+              <a:off x="1587855" y="2199946"/>
               <a:ext cx="70347" cy="70347"/>
             </a:xfrm>
             <a:prstGeom prst="ellipse">
@@ -15405,7 +15405,7 @@
           </p:nvSpPr>
           <p:spPr>
             <a:xfrm>
-              <a:off x="1628505" y="2218541"/>
+              <a:off x="1570934" y="2218541"/>
               <a:ext cx="70347" cy="70347"/>
             </a:xfrm>
             <a:prstGeom prst="ellipse">
@@ -15440,7 +15440,7 @@
           </p:nvSpPr>
           <p:spPr>
             <a:xfrm>
-              <a:off x="1621353" y="2237136"/>
+              <a:off x="1609687" y="2237136"/>
               <a:ext cx="70347" cy="70347"/>
             </a:xfrm>
             <a:prstGeom prst="ellipse">
@@ -15475,7 +15475,7 @@
           </p:nvSpPr>
           <p:spPr>
             <a:xfrm>
-              <a:off x="1637844" y="2199946"/>
+              <a:off x="1622227" y="2199946"/>
               <a:ext cx="70347" cy="70347"/>
             </a:xfrm>
             <a:prstGeom prst="ellipse">
@@ -15510,7 +15510,7 @@
           </p:nvSpPr>
           <p:spPr>
             <a:xfrm>
-              <a:off x="1630552" y="2199946"/>
+              <a:off x="1574506" y="2199946"/>
               <a:ext cx="70347" cy="70347"/>
             </a:xfrm>
             <a:prstGeom prst="ellipse">
@@ -15545,7 +15545,7 @@
           </p:nvSpPr>
           <p:spPr>
             <a:xfrm>
-              <a:off x="1655848" y="2218541"/>
+              <a:off x="1657866" y="2218541"/>
               <a:ext cx="70347" cy="70347"/>
             </a:xfrm>
             <a:prstGeom prst="ellipse">
@@ -15580,7 +15580,7 @@
           </p:nvSpPr>
           <p:spPr>
             <a:xfrm>
-              <a:off x="1669026" y="2218541"/>
+              <a:off x="1614172" y="2218541"/>
               <a:ext cx="70347" cy="70347"/>
             </a:xfrm>
             <a:prstGeom prst="ellipse">
@@ -15615,7 +15615,7 @@
           </p:nvSpPr>
           <p:spPr>
             <a:xfrm>
-              <a:off x="1634096" y="2237136"/>
+              <a:off x="1657297" y="2237136"/>
               <a:ext cx="70347" cy="70347"/>
             </a:xfrm>
             <a:prstGeom prst="ellipse">
@@ -15650,7 +15650,7 @@
           </p:nvSpPr>
           <p:spPr>
             <a:xfrm>
-              <a:off x="1590410" y="2218541"/>
+              <a:off x="1600791" y="2218541"/>
               <a:ext cx="70347" cy="70347"/>
             </a:xfrm>
             <a:prstGeom prst="ellipse">
@@ -15685,7 +15685,7 @@
           </p:nvSpPr>
           <p:spPr>
             <a:xfrm>
-              <a:off x="1642596" y="2274326"/>
+              <a:off x="1661277" y="2274326"/>
               <a:ext cx="70347" cy="70347"/>
             </a:xfrm>
             <a:prstGeom prst="ellipse">
@@ -15720,7 +15720,7 @@
           </p:nvSpPr>
           <p:spPr>
             <a:xfrm>
-              <a:off x="1538586" y="2255731"/>
+              <a:off x="1641677" y="2255731"/>
               <a:ext cx="70347" cy="70347"/>
             </a:xfrm>
             <a:prstGeom prst="ellipse">
@@ -15755,7 +15755,7 @@
           </p:nvSpPr>
           <p:spPr>
             <a:xfrm>
-              <a:off x="1646867" y="2237136"/>
+              <a:off x="1669673" y="2237136"/>
               <a:ext cx="70347" cy="70347"/>
             </a:xfrm>
             <a:prstGeom prst="ellipse">
@@ -15790,7 +15790,7 @@
           </p:nvSpPr>
           <p:spPr>
             <a:xfrm>
-              <a:off x="1604137" y="2255731"/>
+              <a:off x="1600709" y="2255731"/>
               <a:ext cx="70347" cy="70347"/>
             </a:xfrm>
             <a:prstGeom prst="ellipse">
@@ -15825,7 +15825,7 @@
           </p:nvSpPr>
           <p:spPr>
             <a:xfrm>
-              <a:off x="1522474" y="2218541"/>
+              <a:off x="1656928" y="2218541"/>
               <a:ext cx="70347" cy="70347"/>
             </a:xfrm>
             <a:prstGeom prst="ellipse">
@@ -15860,7 +15860,7 @@
           </p:nvSpPr>
           <p:spPr>
             <a:xfrm>
-              <a:off x="1636111" y="2255731"/>
+              <a:off x="1545845" y="2255731"/>
               <a:ext cx="70347" cy="70347"/>
             </a:xfrm>
             <a:prstGeom prst="ellipse">
@@ -15895,7 +15895,7 @@
           </p:nvSpPr>
           <p:spPr>
             <a:xfrm>
-              <a:off x="1615090" y="2255731"/>
+              <a:off x="1553388" y="2255731"/>
               <a:ext cx="70347" cy="70347"/>
             </a:xfrm>
             <a:prstGeom prst="ellipse">
@@ -15930,7 +15930,7 @@
           </p:nvSpPr>
           <p:spPr>
             <a:xfrm>
-              <a:off x="1544242" y="2255731"/>
+              <a:off x="1634217" y="2255731"/>
               <a:ext cx="70347" cy="70347"/>
             </a:xfrm>
             <a:prstGeom prst="ellipse">
@@ -15965,7 +15965,7 @@
           </p:nvSpPr>
           <p:spPr>
             <a:xfrm>
-              <a:off x="1611565" y="2199946"/>
+              <a:off x="1644284" y="2199946"/>
               <a:ext cx="70347" cy="70347"/>
             </a:xfrm>
             <a:prstGeom prst="ellipse">
@@ -16000,7 +16000,7 @@
           </p:nvSpPr>
           <p:spPr>
             <a:xfrm>
-              <a:off x="1653059" y="2144161"/>
+              <a:off x="1584804" y="2144161"/>
               <a:ext cx="70347" cy="70347"/>
             </a:xfrm>
             <a:prstGeom prst="ellipse">
@@ -16035,7 +16035,7 @@
           </p:nvSpPr>
           <p:spPr>
             <a:xfrm>
-              <a:off x="1594264" y="2237136"/>
+              <a:off x="1588263" y="2237136"/>
               <a:ext cx="70347" cy="70347"/>
             </a:xfrm>
             <a:prstGeom prst="ellipse">
@@ -16070,7 +16070,7 @@
           </p:nvSpPr>
           <p:spPr>
             <a:xfrm>
-              <a:off x="1564371" y="2199946"/>
+              <a:off x="1523034" y="2199946"/>
               <a:ext cx="70347" cy="70347"/>
             </a:xfrm>
             <a:prstGeom prst="ellipse">
@@ -16105,7 +16105,7 @@
           </p:nvSpPr>
           <p:spPr>
             <a:xfrm>
-              <a:off x="1620161" y="2237136"/>
+              <a:off x="1627280" y="2237136"/>
               <a:ext cx="70347" cy="70347"/>
             </a:xfrm>
             <a:prstGeom prst="ellipse">
@@ -16140,7 +16140,7 @@
           </p:nvSpPr>
           <p:spPr>
             <a:xfrm>
-              <a:off x="1572994" y="2218541"/>
+              <a:off x="1656985" y="2218541"/>
               <a:ext cx="70347" cy="70347"/>
             </a:xfrm>
             <a:prstGeom prst="ellipse">
@@ -16175,7 +16175,7 @@
           </p:nvSpPr>
           <p:spPr>
             <a:xfrm>
-              <a:off x="1553441" y="2237136"/>
+              <a:off x="1651395" y="2237136"/>
               <a:ext cx="70347" cy="70347"/>
             </a:xfrm>
             <a:prstGeom prst="ellipse">
@@ -16210,7 +16210,7 @@
           </p:nvSpPr>
           <p:spPr>
             <a:xfrm>
-              <a:off x="1916298" y="1623500"/>
+              <a:off x="1980707" y="1623500"/>
               <a:ext cx="70347" cy="70347"/>
             </a:xfrm>
             <a:prstGeom prst="ellipse">
@@ -16245,7 +16245,7 @@
           </p:nvSpPr>
           <p:spPr>
             <a:xfrm>
-              <a:off x="1908186" y="1660690"/>
+              <a:off x="2031539" y="1660690"/>
               <a:ext cx="70347" cy="70347"/>
             </a:xfrm>
             <a:prstGeom prst="ellipse">
@@ -16280,7 +16280,7 @@
           </p:nvSpPr>
           <p:spPr>
             <a:xfrm>
-              <a:off x="1948269" y="1586310"/>
+              <a:off x="2037256" y="1586310"/>
               <a:ext cx="70347" cy="70347"/>
             </a:xfrm>
             <a:prstGeom prst="ellipse">
@@ -16315,7 +16315,7 @@
           </p:nvSpPr>
           <p:spPr>
             <a:xfrm>
-              <a:off x="1968301" y="1753666"/>
+              <a:off x="1968754" y="1753666"/>
               <a:ext cx="70347" cy="70347"/>
             </a:xfrm>
             <a:prstGeom prst="ellipse">
@@ -16350,7 +16350,7 @@
           </p:nvSpPr>
           <p:spPr>
             <a:xfrm>
-              <a:off x="2017489" y="1642095"/>
+              <a:off x="1945302" y="1642095"/>
               <a:ext cx="70347" cy="70347"/>
             </a:xfrm>
             <a:prstGeom prst="ellipse">
@@ -16385,7 +16385,7 @@
           </p:nvSpPr>
           <p:spPr>
             <a:xfrm>
-              <a:off x="1916524" y="1660690"/>
+              <a:off x="1956322" y="1660690"/>
               <a:ext cx="70347" cy="70347"/>
             </a:xfrm>
             <a:prstGeom prst="ellipse">
@@ -16420,7 +16420,7 @@
           </p:nvSpPr>
           <p:spPr>
             <a:xfrm>
-              <a:off x="1935502" y="1623500"/>
+              <a:off x="1945121" y="1623500"/>
               <a:ext cx="70347" cy="70347"/>
             </a:xfrm>
             <a:prstGeom prst="ellipse">
@@ -16455,7 +16455,7 @@
           </p:nvSpPr>
           <p:spPr>
             <a:xfrm>
-              <a:off x="2030422" y="1883831"/>
+              <a:off x="1914052" y="1883831"/>
               <a:ext cx="70347" cy="70347"/>
             </a:xfrm>
             <a:prstGeom prst="ellipse">
@@ -16490,7 +16490,7 @@
           </p:nvSpPr>
           <p:spPr>
             <a:xfrm>
-              <a:off x="2003574" y="1642095"/>
+              <a:off x="1945711" y="1642095"/>
               <a:ext cx="70347" cy="70347"/>
             </a:xfrm>
             <a:prstGeom prst="ellipse">
@@ -16525,7 +16525,7 @@
           </p:nvSpPr>
           <p:spPr>
             <a:xfrm>
-              <a:off x="1956758" y="1772261"/>
+              <a:off x="1995734" y="1772261"/>
               <a:ext cx="70347" cy="70347"/>
             </a:xfrm>
             <a:prstGeom prst="ellipse">
@@ -16560,7 +16560,7 @@
           </p:nvSpPr>
           <p:spPr>
             <a:xfrm>
-              <a:off x="1961835" y="1846641"/>
+              <a:off x="1904142" y="1846641"/>
               <a:ext cx="70347" cy="70347"/>
             </a:xfrm>
             <a:prstGeom prst="ellipse">
@@ -16595,7 +16595,7 @@
           </p:nvSpPr>
           <p:spPr>
             <a:xfrm>
-              <a:off x="2051106" y="1716475"/>
+              <a:off x="1917272" y="1716475"/>
               <a:ext cx="70347" cy="70347"/>
             </a:xfrm>
             <a:prstGeom prst="ellipse">
@@ -16630,7 +16630,7 @@
           </p:nvSpPr>
           <p:spPr>
             <a:xfrm>
-              <a:off x="1982725" y="1753666"/>
+              <a:off x="1911548" y="1753666"/>
               <a:ext cx="70347" cy="70347"/>
             </a:xfrm>
             <a:prstGeom prst="ellipse">
@@ -16665,7 +16665,7 @@
           </p:nvSpPr>
           <p:spPr>
             <a:xfrm>
-              <a:off x="1964138" y="1623500"/>
+              <a:off x="2021611" y="1623500"/>
               <a:ext cx="70347" cy="70347"/>
             </a:xfrm>
             <a:prstGeom prst="ellipse">
@@ -16700,7 +16700,7 @@
           </p:nvSpPr>
           <p:spPr>
             <a:xfrm>
-              <a:off x="2005955" y="1828046"/>
+              <a:off x="1953523" y="1828046"/>
               <a:ext cx="70347" cy="70347"/>
             </a:xfrm>
             <a:prstGeom prst="ellipse">
@@ -16735,7 +16735,7 @@
           </p:nvSpPr>
           <p:spPr>
             <a:xfrm>
-              <a:off x="1920690" y="1679285"/>
+              <a:off x="1992454" y="1679285"/>
               <a:ext cx="70347" cy="70347"/>
             </a:xfrm>
             <a:prstGeom prst="ellipse">
@@ -16770,7 +16770,7 @@
           </p:nvSpPr>
           <p:spPr>
             <a:xfrm>
-              <a:off x="2032571" y="1660690"/>
+              <a:off x="2004890" y="1660690"/>
               <a:ext cx="70347" cy="70347"/>
             </a:xfrm>
             <a:prstGeom prst="ellipse">
@@ -16805,7 +16805,7 @@
           </p:nvSpPr>
           <p:spPr>
             <a:xfrm>
-              <a:off x="1934213" y="1735070"/>
+              <a:off x="1944143" y="1735070"/>
               <a:ext cx="70347" cy="70347"/>
             </a:xfrm>
             <a:prstGeom prst="ellipse">
@@ -16840,7 +16840,7 @@
           </p:nvSpPr>
           <p:spPr>
             <a:xfrm>
-              <a:off x="1904432" y="1660690"/>
+              <a:off x="1951197" y="1660690"/>
               <a:ext cx="70347" cy="70347"/>
             </a:xfrm>
             <a:prstGeom prst="ellipse">
@@ -16875,7 +16875,7 @@
           </p:nvSpPr>
           <p:spPr>
             <a:xfrm>
-              <a:off x="2052713" y="1772261"/>
+              <a:off x="2019810" y="1772261"/>
               <a:ext cx="70347" cy="70347"/>
             </a:xfrm>
             <a:prstGeom prst="ellipse">
@@ -16910,7 +16910,7 @@
           </p:nvSpPr>
           <p:spPr>
             <a:xfrm>
-              <a:off x="2012744" y="1604905"/>
+              <a:off x="1906561" y="1604905"/>
               <a:ext cx="70347" cy="70347"/>
             </a:xfrm>
             <a:prstGeom prst="ellipse">
@@ -16945,7 +16945,7 @@
           </p:nvSpPr>
           <p:spPr>
             <a:xfrm>
-              <a:off x="2025473" y="1753666"/>
+              <a:off x="1988041" y="1753666"/>
               <a:ext cx="70347" cy="70347"/>
             </a:xfrm>
             <a:prstGeom prst="ellipse">
@@ -16980,7 +16980,7 @@
           </p:nvSpPr>
           <p:spPr>
             <a:xfrm>
-              <a:off x="1986055" y="1586310"/>
+              <a:off x="2011790" y="1586310"/>
               <a:ext cx="70347" cy="70347"/>
             </a:xfrm>
             <a:prstGeom prst="ellipse">
@@ -17015,7 +17015,7 @@
           </p:nvSpPr>
           <p:spPr>
             <a:xfrm>
-              <a:off x="2007062" y="1623500"/>
+              <a:off x="1915769" y="1623500"/>
               <a:ext cx="70347" cy="70347"/>
             </a:xfrm>
             <a:prstGeom prst="ellipse">
@@ -17050,7 +17050,7 @@
           </p:nvSpPr>
           <p:spPr>
             <a:xfrm>
-              <a:off x="2032076" y="1697880"/>
+              <a:off x="1965002" y="1697880"/>
               <a:ext cx="70347" cy="70347"/>
             </a:xfrm>
             <a:prstGeom prst="ellipse">
@@ -17085,7 +17085,7 @@
           </p:nvSpPr>
           <p:spPr>
             <a:xfrm>
-              <a:off x="1902258" y="1679285"/>
+              <a:off x="2037371" y="1679285"/>
               <a:ext cx="70347" cy="70347"/>
             </a:xfrm>
             <a:prstGeom prst="ellipse">
@@ -17120,7 +17120,7 @@
           </p:nvSpPr>
           <p:spPr>
             <a:xfrm>
-              <a:off x="1991777" y="1604905"/>
+              <a:off x="1952558" y="1604905"/>
               <a:ext cx="70347" cy="70347"/>
             </a:xfrm>
             <a:prstGeom prst="ellipse">
@@ -17155,7 +17155,7 @@
           </p:nvSpPr>
           <p:spPr>
             <a:xfrm>
-              <a:off x="1980301" y="1567715"/>
+              <a:off x="1976049" y="1567715"/>
               <a:ext cx="70347" cy="70347"/>
             </a:xfrm>
             <a:prstGeom prst="ellipse">
@@ -17190,7 +17190,7 @@
           </p:nvSpPr>
           <p:spPr>
             <a:xfrm>
-              <a:off x="2031732" y="1660690"/>
+              <a:off x="2020280" y="1660690"/>
               <a:ext cx="70347" cy="70347"/>
             </a:xfrm>
             <a:prstGeom prst="ellipse">
@@ -17225,7 +17225,7 @@
           </p:nvSpPr>
           <p:spPr>
             <a:xfrm>
-              <a:off x="2006111" y="1846641"/>
+              <a:off x="1914988" y="1846641"/>
               <a:ext cx="70347" cy="70347"/>
             </a:xfrm>
             <a:prstGeom prst="ellipse">
@@ -17260,7 +17260,7 @@
           </p:nvSpPr>
           <p:spPr>
             <a:xfrm>
-              <a:off x="2004885" y="1790856"/>
+              <a:off x="2019388" y="1790856"/>
               <a:ext cx="70347" cy="70347"/>
             </a:xfrm>
             <a:prstGeom prst="ellipse">
@@ -17295,7 +17295,7 @@
           </p:nvSpPr>
           <p:spPr>
             <a:xfrm>
-              <a:off x="2015840" y="1809451"/>
+              <a:off x="1973407" y="1809451"/>
               <a:ext cx="70347" cy="70347"/>
             </a:xfrm>
             <a:prstGeom prst="ellipse">
@@ -17330,7 +17330,7 @@
           </p:nvSpPr>
           <p:spPr>
             <a:xfrm>
-              <a:off x="2010763" y="1772261"/>
+              <a:off x="1984044" y="1772261"/>
               <a:ext cx="70347" cy="70347"/>
             </a:xfrm>
             <a:prstGeom prst="ellipse">
@@ -17365,7 +17365,7 @@
           </p:nvSpPr>
           <p:spPr>
             <a:xfrm>
-              <a:off x="1969498" y="1549120"/>
+              <a:off x="2015130" y="1549120"/>
               <a:ext cx="70347" cy="70347"/>
             </a:xfrm>
             <a:prstGeom prst="ellipse">
@@ -17400,7 +17400,7 @@
           </p:nvSpPr>
           <p:spPr>
             <a:xfrm>
-              <a:off x="2005923" y="1660690"/>
+              <a:off x="2016280" y="1660690"/>
               <a:ext cx="70347" cy="70347"/>
             </a:xfrm>
             <a:prstGeom prst="ellipse">
@@ -17435,7 +17435,7 @@
           </p:nvSpPr>
           <p:spPr>
             <a:xfrm>
-              <a:off x="2039291" y="1660690"/>
+              <a:off x="2039895" y="1660690"/>
               <a:ext cx="70347" cy="70347"/>
             </a:xfrm>
             <a:prstGeom prst="ellipse">
@@ -17470,7 +17470,7 @@
           </p:nvSpPr>
           <p:spPr>
             <a:xfrm>
-              <a:off x="1951754" y="1623500"/>
+              <a:off x="2029464" y="1623500"/>
               <a:ext cx="70347" cy="70347"/>
             </a:xfrm>
             <a:prstGeom prst="ellipse">
@@ -17505,7 +17505,7 @@
           </p:nvSpPr>
           <p:spPr>
             <a:xfrm>
-              <a:off x="1934597" y="1679285"/>
+              <a:off x="1985602" y="1679285"/>
               <a:ext cx="70347" cy="70347"/>
             </a:xfrm>
             <a:prstGeom prst="ellipse">
@@ -17540,7 +17540,7 @@
           </p:nvSpPr>
           <p:spPr>
             <a:xfrm>
-              <a:off x="2007398" y="1735070"/>
+              <a:off x="2048618" y="1735070"/>
               <a:ext cx="70347" cy="70347"/>
             </a:xfrm>
             <a:prstGeom prst="ellipse">
@@ -17575,7 +17575,7 @@
           </p:nvSpPr>
           <p:spPr>
             <a:xfrm>
-              <a:off x="1968533" y="1753666"/>
+              <a:off x="1961689" y="1753666"/>
               <a:ext cx="70347" cy="70347"/>
             </a:xfrm>
             <a:prstGeom prst="ellipse">
@@ -17610,7 +17610,7 @@
           </p:nvSpPr>
           <p:spPr>
             <a:xfrm>
-              <a:off x="1944896" y="1679285"/>
+              <a:off x="1908440" y="1679285"/>
               <a:ext cx="70347" cy="70347"/>
             </a:xfrm>
             <a:prstGeom prst="ellipse">
@@ -17645,7 +17645,7 @@
           </p:nvSpPr>
           <p:spPr>
             <a:xfrm>
-              <a:off x="1940606" y="1642095"/>
+              <a:off x="1927771" y="1642095"/>
               <a:ext cx="70347" cy="70347"/>
             </a:xfrm>
             <a:prstGeom prst="ellipse">
@@ -17680,7 +17680,7 @@
           </p:nvSpPr>
           <p:spPr>
             <a:xfrm>
-              <a:off x="2010759" y="1753666"/>
+              <a:off x="1949475" y="1753666"/>
               <a:ext cx="70347" cy="70347"/>
             </a:xfrm>
             <a:prstGeom prst="ellipse">
@@ -17715,7 +17715,7 @@
           </p:nvSpPr>
           <p:spPr>
             <a:xfrm>
-              <a:off x="1960352" y="1883831"/>
+              <a:off x="1902073" y="1883831"/>
               <a:ext cx="70347" cy="70347"/>
             </a:xfrm>
             <a:prstGeom prst="ellipse">
@@ -17750,7 +17750,7 @@
           </p:nvSpPr>
           <p:spPr>
             <a:xfrm>
-              <a:off x="2009131" y="1716475"/>
+              <a:off x="2028124" y="1716475"/>
               <a:ext cx="70347" cy="70347"/>
             </a:xfrm>
             <a:prstGeom prst="ellipse">
@@ -17785,7 +17785,7 @@
           </p:nvSpPr>
           <p:spPr>
             <a:xfrm>
-              <a:off x="2029922" y="1716475"/>
+              <a:off x="2015447" y="1716475"/>
               <a:ext cx="70347" cy="70347"/>
             </a:xfrm>
             <a:prstGeom prst="ellipse">
@@ -17820,7 +17820,7 @@
           </p:nvSpPr>
           <p:spPr>
             <a:xfrm>
-              <a:off x="1963331" y="1716475"/>
+              <a:off x="2030597" y="1716475"/>
               <a:ext cx="70347" cy="70347"/>
             </a:xfrm>
             <a:prstGeom prst="ellipse">
@@ -17855,7 +17855,7 @@
           </p:nvSpPr>
           <p:spPr>
             <a:xfrm>
-              <a:off x="1995409" y="1697880"/>
+              <a:off x="1933613" y="1697880"/>
               <a:ext cx="70347" cy="70347"/>
             </a:xfrm>
             <a:prstGeom prst="ellipse">
@@ -17890,7 +17890,7 @@
           </p:nvSpPr>
           <p:spPr>
             <a:xfrm>
-              <a:off x="1998258" y="1939616"/>
+              <a:off x="1969384" y="1939616"/>
               <a:ext cx="70347" cy="70347"/>
             </a:xfrm>
             <a:prstGeom prst="ellipse">
@@ -17925,7 +17925,7 @@
           </p:nvSpPr>
           <p:spPr>
             <a:xfrm>
-              <a:off x="1999564" y="1735070"/>
+              <a:off x="2022612" y="1735070"/>
               <a:ext cx="70347" cy="70347"/>
             </a:xfrm>
             <a:prstGeom prst="ellipse">
@@ -17960,7 +17960,7 @@
           </p:nvSpPr>
           <p:spPr>
             <a:xfrm>
-              <a:off x="2402251" y="1381765"/>
+              <a:off x="2345009" y="1381765"/>
               <a:ext cx="70347" cy="70347"/>
             </a:xfrm>
             <a:prstGeom prst="ellipse">
@@ -17995,7 +17995,7 @@
           </p:nvSpPr>
           <p:spPr>
             <a:xfrm>
-              <a:off x="2369481" y="1549120"/>
+              <a:off x="2423858" y="1549120"/>
               <a:ext cx="70347" cy="70347"/>
             </a:xfrm>
             <a:prstGeom prst="ellipse">
@@ -18030,7 +18030,7 @@
           </p:nvSpPr>
           <p:spPr>
             <a:xfrm>
-              <a:off x="2412992" y="1400360"/>
+              <a:off x="2414845" y="1400360"/>
               <a:ext cx="70347" cy="70347"/>
             </a:xfrm>
             <a:prstGeom prst="ellipse">
@@ -18065,7 +18065,7 @@
           </p:nvSpPr>
           <p:spPr>
             <a:xfrm>
-              <a:off x="2425414" y="1456145"/>
+              <a:off x="2364954" y="1456145"/>
               <a:ext cx="70347" cy="70347"/>
             </a:xfrm>
             <a:prstGeom prst="ellipse">
@@ -18100,7 +18100,7 @@
           </p:nvSpPr>
           <p:spPr>
             <a:xfrm>
-              <a:off x="2426214" y="1418955"/>
+              <a:off x="2295782" y="1418955"/>
               <a:ext cx="70347" cy="70347"/>
             </a:xfrm>
             <a:prstGeom prst="ellipse">
@@ -18135,7 +18135,7 @@
           </p:nvSpPr>
           <p:spPr>
             <a:xfrm>
-              <a:off x="2377169" y="1270195"/>
+              <a:off x="2349253" y="1270195"/>
               <a:ext cx="70347" cy="70347"/>
             </a:xfrm>
             <a:prstGeom prst="ellipse">
@@ -18170,7 +18170,7 @@
           </p:nvSpPr>
           <p:spPr>
             <a:xfrm>
-              <a:off x="2404021" y="1660690"/>
+              <a:off x="2428424" y="1660690"/>
               <a:ext cx="70347" cy="70347"/>
             </a:xfrm>
             <a:prstGeom prst="ellipse">
@@ -18205,7 +18205,7 @@
           </p:nvSpPr>
           <p:spPr>
             <a:xfrm>
-              <a:off x="2338662" y="1325980"/>
+              <a:off x="2364115" y="1325980"/>
               <a:ext cx="70347" cy="70347"/>
             </a:xfrm>
             <a:prstGeom prst="ellipse">
@@ -18240,7 +18240,7 @@
           </p:nvSpPr>
           <p:spPr>
             <a:xfrm>
-              <a:off x="2291111" y="1418955"/>
+              <a:off x="2376378" y="1418955"/>
               <a:ext cx="70347" cy="70347"/>
             </a:xfrm>
             <a:prstGeom prst="ellipse">
@@ -18275,7 +18275,7 @@
           </p:nvSpPr>
           <p:spPr>
             <a:xfrm>
-              <a:off x="2348516" y="1363170"/>
+              <a:off x="2305585" y="1363170"/>
               <a:ext cx="70347" cy="70347"/>
             </a:xfrm>
             <a:prstGeom prst="ellipse">
@@ -18310,7 +18310,7 @@
           </p:nvSpPr>
           <p:spPr>
             <a:xfrm>
-              <a:off x="2288210" y="1549120"/>
+              <a:off x="2392519" y="1549120"/>
               <a:ext cx="70347" cy="70347"/>
             </a:xfrm>
             <a:prstGeom prst="ellipse">
@@ -18345,7 +18345,7 @@
           </p:nvSpPr>
           <p:spPr>
             <a:xfrm>
-              <a:off x="2304314" y="1511930"/>
+              <a:off x="2334065" y="1511930"/>
               <a:ext cx="70347" cy="70347"/>
             </a:xfrm>
             <a:prstGeom prst="ellipse">
@@ -18380,7 +18380,7 @@
           </p:nvSpPr>
           <p:spPr>
             <a:xfrm>
-              <a:off x="2411801" y="1474740"/>
+              <a:off x="2293495" y="1474740"/>
               <a:ext cx="70347" cy="70347"/>
             </a:xfrm>
             <a:prstGeom prst="ellipse">
@@ -18415,7 +18415,7 @@
           </p:nvSpPr>
           <p:spPr>
             <a:xfrm>
-              <a:off x="2356749" y="1567715"/>
+              <a:off x="2356762" y="1567715"/>
               <a:ext cx="70347" cy="70347"/>
             </a:xfrm>
             <a:prstGeom prst="ellipse">
@@ -18450,7 +18450,7 @@
           </p:nvSpPr>
           <p:spPr>
             <a:xfrm>
-              <a:off x="2315266" y="1549120"/>
+              <a:off x="2407521" y="1549120"/>
               <a:ext cx="70347" cy="70347"/>
             </a:xfrm>
             <a:prstGeom prst="ellipse">
@@ -18485,7 +18485,7 @@
           </p:nvSpPr>
           <p:spPr>
             <a:xfrm>
-              <a:off x="2360981" y="1511930"/>
+              <a:off x="2429625" y="1511930"/>
               <a:ext cx="70347" cy="70347"/>
             </a:xfrm>
             <a:prstGeom prst="ellipse">
@@ -18520,7 +18520,7 @@
           </p:nvSpPr>
           <p:spPr>
             <a:xfrm>
-              <a:off x="2331065" y="1474740"/>
+              <a:off x="2282123" y="1474740"/>
               <a:ext cx="70347" cy="70347"/>
             </a:xfrm>
             <a:prstGeom prst="ellipse">
@@ -18555,7 +18555,7 @@
           </p:nvSpPr>
           <p:spPr>
             <a:xfrm>
-              <a:off x="2345555" y="1251600"/>
+              <a:off x="2393407" y="1251600"/>
               <a:ext cx="70347" cy="70347"/>
             </a:xfrm>
             <a:prstGeom prst="ellipse">
@@ -18590,7 +18590,7 @@
           </p:nvSpPr>
           <p:spPr>
             <a:xfrm>
-              <a:off x="2306737" y="1214410"/>
+              <a:off x="2428726" y="1214410"/>
               <a:ext cx="70347" cy="70347"/>
             </a:xfrm>
             <a:prstGeom prst="ellipse">
@@ -18625,7 +18625,7 @@
           </p:nvSpPr>
           <p:spPr>
             <a:xfrm>
-              <a:off x="2316856" y="1567715"/>
+              <a:off x="2385567" y="1567715"/>
               <a:ext cx="70347" cy="70347"/>
             </a:xfrm>
             <a:prstGeom prst="ellipse">
@@ -18660,7 +18660,7 @@
           </p:nvSpPr>
           <p:spPr>
             <a:xfrm>
-              <a:off x="2290876" y="1437550"/>
+              <a:off x="2342680" y="1437550"/>
               <a:ext cx="70347" cy="70347"/>
             </a:xfrm>
             <a:prstGeom prst="ellipse">
@@ -18695,7 +18695,7 @@
           </p:nvSpPr>
           <p:spPr>
             <a:xfrm>
-              <a:off x="2431610" y="1586310"/>
+              <a:off x="2384378" y="1586310"/>
               <a:ext cx="70347" cy="70347"/>
             </a:xfrm>
             <a:prstGeom prst="ellipse">
@@ -18730,7 +18730,7 @@
           </p:nvSpPr>
           <p:spPr>
             <a:xfrm>
-              <a:off x="2385854" y="1251600"/>
+              <a:off x="2387507" y="1251600"/>
               <a:ext cx="70347" cy="70347"/>
             </a:xfrm>
             <a:prstGeom prst="ellipse">
@@ -18765,7 +18765,7 @@
           </p:nvSpPr>
           <p:spPr>
             <a:xfrm>
-              <a:off x="2392604" y="1586310"/>
+              <a:off x="2369592" y="1586310"/>
               <a:ext cx="70347" cy="70347"/>
             </a:xfrm>
             <a:prstGeom prst="ellipse">
@@ -18800,7 +18800,7 @@
           </p:nvSpPr>
           <p:spPr>
             <a:xfrm>
-              <a:off x="2406387" y="1437550"/>
+              <a:off x="2320246" y="1437550"/>
               <a:ext cx="70347" cy="70347"/>
             </a:xfrm>
             <a:prstGeom prst="ellipse">
@@ -18835,7 +18835,7 @@
           </p:nvSpPr>
           <p:spPr>
             <a:xfrm>
-              <a:off x="2386792" y="1381765"/>
+              <a:off x="2403380" y="1381765"/>
               <a:ext cx="70347" cy="70347"/>
             </a:xfrm>
             <a:prstGeom prst="ellipse">
@@ -18870,7 +18870,7 @@
           </p:nvSpPr>
           <p:spPr>
             <a:xfrm>
-              <a:off x="2424704" y="1604905"/>
+              <a:off x="2286953" y="1604905"/>
               <a:ext cx="70347" cy="70347"/>
             </a:xfrm>
             <a:prstGeom prst="ellipse">
@@ -18905,7 +18905,7 @@
           </p:nvSpPr>
           <p:spPr>
             <a:xfrm>
-              <a:off x="2372452" y="1586310"/>
+              <a:off x="2376645" y="1586310"/>
               <a:ext cx="70347" cy="70347"/>
             </a:xfrm>
             <a:prstGeom prst="ellipse">
@@ -18940,7 +18940,7 @@
           </p:nvSpPr>
           <p:spPr>
             <a:xfrm>
-              <a:off x="2316816" y="1456145"/>
+              <a:off x="2354694" y="1456145"/>
               <a:ext cx="70347" cy="70347"/>
             </a:xfrm>
             <a:prstGeom prst="ellipse">
@@ -18975,7 +18975,7 @@
           </p:nvSpPr>
           <p:spPr>
             <a:xfrm>
-              <a:off x="2375062" y="1418955"/>
+              <a:off x="2404959" y="1418955"/>
               <a:ext cx="70347" cy="70347"/>
             </a:xfrm>
             <a:prstGeom prst="ellipse">
@@ -19010,7 +19010,7 @@
           </p:nvSpPr>
           <p:spPr>
             <a:xfrm>
-              <a:off x="2296927" y="1363170"/>
+              <a:off x="2403869" y="1363170"/>
               <a:ext cx="70347" cy="70347"/>
             </a:xfrm>
             <a:prstGeom prst="ellipse">
@@ -19045,7 +19045,7 @@
           </p:nvSpPr>
           <p:spPr>
             <a:xfrm>
-              <a:off x="2300194" y="1307385"/>
+              <a:off x="2423442" y="1307385"/>
               <a:ext cx="70347" cy="70347"/>
             </a:xfrm>
             <a:prstGeom prst="ellipse">
@@ -19080,7 +19080,7 @@
           </p:nvSpPr>
           <p:spPr>
             <a:xfrm>
-              <a:off x="2381863" y="1456145"/>
+              <a:off x="2345686" y="1456145"/>
               <a:ext cx="70347" cy="70347"/>
             </a:xfrm>
             <a:prstGeom prst="ellipse">
@@ -19115,7 +19115,7 @@
           </p:nvSpPr>
           <p:spPr>
             <a:xfrm>
-              <a:off x="2409181" y="1549120"/>
+              <a:off x="2334004" y="1549120"/>
               <a:ext cx="70347" cy="70347"/>
             </a:xfrm>
             <a:prstGeom prst="ellipse">
@@ -19150,7 +19150,7 @@
           </p:nvSpPr>
           <p:spPr>
             <a:xfrm>
-              <a:off x="2401614" y="1456145"/>
+              <a:off x="2286262" y="1456145"/>
               <a:ext cx="70347" cy="70347"/>
             </a:xfrm>
             <a:prstGeom prst="ellipse">
@@ -19185,7 +19185,7 @@
           </p:nvSpPr>
           <p:spPr>
             <a:xfrm>
-              <a:off x="2299100" y="1363170"/>
+              <a:off x="2382958" y="1363170"/>
               <a:ext cx="70347" cy="70347"/>
             </a:xfrm>
             <a:prstGeom prst="ellipse">
@@ -19220,7 +19220,7 @@
           </p:nvSpPr>
           <p:spPr>
             <a:xfrm>
-              <a:off x="2407817" y="1456145"/>
+              <a:off x="2412408" y="1456145"/>
               <a:ext cx="70347" cy="70347"/>
             </a:xfrm>
             <a:prstGeom prst="ellipse">
@@ -19255,7 +19255,7 @@
           </p:nvSpPr>
           <p:spPr>
             <a:xfrm>
-              <a:off x="2398598" y="1474740"/>
+              <a:off x="2301327" y="1474740"/>
               <a:ext cx="70347" cy="70347"/>
             </a:xfrm>
             <a:prstGeom prst="ellipse">
@@ -19290,7 +19290,7 @@
           </p:nvSpPr>
           <p:spPr>
             <a:xfrm>
-              <a:off x="2408336" y="1604905"/>
+              <a:off x="2383292" y="1604905"/>
               <a:ext cx="70347" cy="70347"/>
             </a:xfrm>
             <a:prstGeom prst="ellipse">
@@ -19325,7 +19325,7 @@
           </p:nvSpPr>
           <p:spPr>
             <a:xfrm>
-              <a:off x="2373308" y="1493335"/>
+              <a:off x="2354064" y="1493335"/>
               <a:ext cx="70347" cy="70347"/>
             </a:xfrm>
             <a:prstGeom prst="ellipse">
@@ -19360,7 +19360,7 @@
           </p:nvSpPr>
           <p:spPr>
             <a:xfrm>
-              <a:off x="2414647" y="1456145"/>
+              <a:off x="2422681" y="1456145"/>
               <a:ext cx="70347" cy="70347"/>
             </a:xfrm>
             <a:prstGeom prst="ellipse">
@@ -19395,7 +19395,7 @@
           </p:nvSpPr>
           <p:spPr>
             <a:xfrm>
-              <a:off x="2431545" y="1549120"/>
+              <a:off x="2301589" y="1549120"/>
               <a:ext cx="70347" cy="70347"/>
             </a:xfrm>
             <a:prstGeom prst="ellipse">
@@ -19430,7 +19430,7 @@
           </p:nvSpPr>
           <p:spPr>
             <a:xfrm>
-              <a:off x="2296877" y="1549120"/>
+              <a:off x="2289030" y="1549120"/>
               <a:ext cx="70347" cy="70347"/>
             </a:xfrm>
             <a:prstGeom prst="ellipse">
@@ -19465,7 +19465,7 @@
           </p:nvSpPr>
           <p:spPr>
             <a:xfrm>
-              <a:off x="2346502" y="1400360"/>
+              <a:off x="2288353" y="1400360"/>
               <a:ext cx="70347" cy="70347"/>
             </a:xfrm>
             <a:prstGeom prst="ellipse">
@@ -19500,7 +19500,7 @@
           </p:nvSpPr>
           <p:spPr>
             <a:xfrm>
-              <a:off x="2385652" y="1437550"/>
+              <a:off x="2353267" y="1437550"/>
               <a:ext cx="70347" cy="70347"/>
             </a:xfrm>
             <a:prstGeom prst="ellipse">
@@ -19535,7 +19535,7 @@
           </p:nvSpPr>
           <p:spPr>
             <a:xfrm>
-              <a:off x="2358282" y="1530525"/>
+              <a:off x="2350871" y="1530525"/>
               <a:ext cx="70347" cy="70347"/>
             </a:xfrm>
             <a:prstGeom prst="ellipse">
@@ -19570,7 +19570,7 @@
           </p:nvSpPr>
           <p:spPr>
             <a:xfrm>
-              <a:off x="2424142" y="1567715"/>
+              <a:off x="2326639" y="1567715"/>
               <a:ext cx="70347" cy="70347"/>
             </a:xfrm>
             <a:prstGeom prst="ellipse">
@@ -19605,7 +19605,7 @@
           </p:nvSpPr>
           <p:spPr>
             <a:xfrm>
-              <a:off x="2317074" y="1530525"/>
+              <a:off x="2337913" y="1530525"/>
               <a:ext cx="70347" cy="70347"/>
             </a:xfrm>
             <a:prstGeom prst="ellipse">
@@ -19640,7 +19640,7 @@
           </p:nvSpPr>
           <p:spPr>
             <a:xfrm>
-              <a:off x="2401292" y="1493335"/>
+              <a:off x="2429859" y="1493335"/>
               <a:ext cx="70347" cy="70347"/>
             </a:xfrm>
             <a:prstGeom prst="ellipse">
@@ -19675,7 +19675,7 @@
           </p:nvSpPr>
           <p:spPr>
             <a:xfrm>
-              <a:off x="2416379" y="1549120"/>
+              <a:off x="2382485" y="1549120"/>
               <a:ext cx="70347" cy="70347"/>
             </a:xfrm>
             <a:prstGeom prst="ellipse">
@@ -20828,7 +20828,7 @@
           </p:nvSpPr>
           <p:spPr>
             <a:xfrm>
-              <a:off x="1574185" y="3118552"/>
+              <a:off x="1584325" y="3118552"/>
               <a:ext cx="70347" cy="70347"/>
             </a:xfrm>
             <a:prstGeom prst="ellipse">
@@ -20863,7 +20863,7 @@
           </p:nvSpPr>
           <p:spPr>
             <a:xfrm>
-              <a:off x="1525227" y="3347116"/>
+              <a:off x="1658381" y="3347116"/>
               <a:ext cx="70347" cy="70347"/>
             </a:xfrm>
             <a:prstGeom prst="ellipse">
@@ -20898,7 +20898,7 @@
           </p:nvSpPr>
           <p:spPr>
             <a:xfrm>
-              <a:off x="1659577" y="3255690"/>
+              <a:off x="1660721" y="3255690"/>
               <a:ext cx="70347" cy="70347"/>
             </a:xfrm>
             <a:prstGeom prst="ellipse">
@@ -20933,7 +20933,7 @@
           </p:nvSpPr>
           <p:spPr>
             <a:xfrm>
-              <a:off x="1636109" y="3301403"/>
+              <a:off x="1612519" y="3301403"/>
               <a:ext cx="70347" cy="70347"/>
             </a:xfrm>
             <a:prstGeom prst="ellipse">
@@ -20968,7 +20968,7 @@
           </p:nvSpPr>
           <p:spPr>
             <a:xfrm>
-              <a:off x="1580474" y="3072839"/>
+              <a:off x="1654038" y="3072839"/>
               <a:ext cx="70347" cy="70347"/>
             </a:xfrm>
             <a:prstGeom prst="ellipse">
@@ -21003,7 +21003,7 @@
           </p:nvSpPr>
           <p:spPr>
             <a:xfrm>
-              <a:off x="1567242" y="2935701"/>
+              <a:off x="1555693" y="2935701"/>
               <a:ext cx="70347" cy="70347"/>
             </a:xfrm>
             <a:prstGeom prst="ellipse">
@@ -21038,7 +21038,7 @@
           </p:nvSpPr>
           <p:spPr>
             <a:xfrm>
-              <a:off x="1667878" y="3164265"/>
+              <a:off x="1541796" y="3164265"/>
               <a:ext cx="70347" cy="70347"/>
             </a:xfrm>
             <a:prstGeom prst="ellipse">
@@ -21073,7 +21073,7 @@
           </p:nvSpPr>
           <p:spPr>
             <a:xfrm>
-              <a:off x="1614345" y="3164265"/>
+              <a:off x="1557078" y="3164265"/>
               <a:ext cx="70347" cy="70347"/>
             </a:xfrm>
             <a:prstGeom prst="ellipse">
@@ -21108,7 +21108,7 @@
           </p:nvSpPr>
           <p:spPr>
             <a:xfrm>
-              <a:off x="1578625" y="3392828"/>
+              <a:off x="1576150" y="3392828"/>
               <a:ext cx="70347" cy="70347"/>
             </a:xfrm>
             <a:prstGeom prst="ellipse">
@@ -21143,7 +21143,7 @@
           </p:nvSpPr>
           <p:spPr>
             <a:xfrm>
-              <a:off x="1522016" y="3301403"/>
+              <a:off x="1612292" y="3301403"/>
               <a:ext cx="70347" cy="70347"/>
             </a:xfrm>
             <a:prstGeom prst="ellipse">
@@ -21178,7 +21178,7 @@
           </p:nvSpPr>
           <p:spPr>
             <a:xfrm>
-              <a:off x="1651155" y="3027126"/>
+              <a:off x="1556838" y="3027126"/>
               <a:ext cx="70347" cy="70347"/>
             </a:xfrm>
             <a:prstGeom prst="ellipse">
@@ -21213,7 +21213,7 @@
           </p:nvSpPr>
           <p:spPr>
             <a:xfrm>
-              <a:off x="1605763" y="3164265"/>
+              <a:off x="1624433" y="3164265"/>
               <a:ext cx="70347" cy="70347"/>
             </a:xfrm>
             <a:prstGeom prst="ellipse">
@@ -21248,7 +21248,7 @@
           </p:nvSpPr>
           <p:spPr>
             <a:xfrm>
-              <a:off x="1667474" y="3347116"/>
+              <a:off x="1589391" y="3347116"/>
               <a:ext cx="70347" cy="70347"/>
             </a:xfrm>
             <a:prstGeom prst="ellipse">
@@ -21283,7 +21283,7 @@
           </p:nvSpPr>
           <p:spPr>
             <a:xfrm>
-              <a:off x="1625404" y="3347116"/>
+              <a:off x="1663999" y="3347116"/>
               <a:ext cx="70347" cy="70347"/>
             </a:xfrm>
             <a:prstGeom prst="ellipse">
@@ -21318,7 +21318,7 @@
           </p:nvSpPr>
           <p:spPr>
             <a:xfrm>
-              <a:off x="1628596" y="2889988"/>
+              <a:off x="1560798" y="2889988"/>
               <a:ext cx="70347" cy="70347"/>
             </a:xfrm>
             <a:prstGeom prst="ellipse">
@@ -21353,7 +21353,7 @@
           </p:nvSpPr>
           <p:spPr>
             <a:xfrm>
-              <a:off x="1628751" y="2707137"/>
+              <a:off x="1659141" y="2707137"/>
               <a:ext cx="70347" cy="70347"/>
             </a:xfrm>
             <a:prstGeom prst="ellipse">
@@ -21388,7 +21388,7 @@
           </p:nvSpPr>
           <p:spPr>
             <a:xfrm>
-              <a:off x="1630817" y="2935701"/>
+              <a:off x="1640555" y="2935701"/>
               <a:ext cx="70347" cy="70347"/>
             </a:xfrm>
             <a:prstGeom prst="ellipse">
@@ -21423,7 +21423,7 @@
           </p:nvSpPr>
           <p:spPr>
             <a:xfrm>
-              <a:off x="1529697" y="3118552"/>
+              <a:off x="1671343" y="3118552"/>
               <a:ext cx="70347" cy="70347"/>
             </a:xfrm>
             <a:prstGeom prst="ellipse">
@@ -21458,7 +21458,7 @@
           </p:nvSpPr>
           <p:spPr>
             <a:xfrm>
-              <a:off x="1581782" y="2981413"/>
+              <a:off x="1565211" y="2981413"/>
               <a:ext cx="70347" cy="70347"/>
             </a:xfrm>
             <a:prstGeom prst="ellipse">
@@ -21493,7 +21493,7 @@
           </p:nvSpPr>
           <p:spPr>
             <a:xfrm>
-              <a:off x="1619284" y="2981413"/>
+              <a:off x="1638358" y="2981413"/>
               <a:ext cx="70347" cy="70347"/>
             </a:xfrm>
             <a:prstGeom prst="ellipse">
@@ -21528,7 +21528,7 @@
           </p:nvSpPr>
           <p:spPr>
             <a:xfrm>
-              <a:off x="1648425" y="3164265"/>
+              <a:off x="1668421" y="3164265"/>
               <a:ext cx="70347" cy="70347"/>
             </a:xfrm>
             <a:prstGeom prst="ellipse">
@@ -21563,7 +21563,7 @@
           </p:nvSpPr>
           <p:spPr>
             <a:xfrm>
-              <a:off x="1609093" y="3027126"/>
+              <a:off x="1547355" y="3027126"/>
               <a:ext cx="70347" cy="70347"/>
             </a:xfrm>
             <a:prstGeom prst="ellipse">
@@ -21598,7 +21598,7 @@
           </p:nvSpPr>
           <p:spPr>
             <a:xfrm>
-              <a:off x="1584871" y="3072839"/>
+              <a:off x="1621306" y="3072839"/>
               <a:ext cx="70347" cy="70347"/>
             </a:xfrm>
             <a:prstGeom prst="ellipse">
@@ -21633,7 +21633,7 @@
           </p:nvSpPr>
           <p:spPr>
             <a:xfrm>
-              <a:off x="1657550" y="3209977"/>
+              <a:off x="1655055" y="3209977"/>
               <a:ext cx="70347" cy="70347"/>
             </a:xfrm>
             <a:prstGeom prst="ellipse">
@@ -21668,7 +21668,7 @@
           </p:nvSpPr>
           <p:spPr>
             <a:xfrm>
-              <a:off x="1609959" y="3164265"/>
+              <a:off x="1623252" y="3164265"/>
               <a:ext cx="70347" cy="70347"/>
             </a:xfrm>
             <a:prstGeom prst="ellipse">
@@ -21703,7 +21703,7 @@
           </p:nvSpPr>
           <p:spPr>
             <a:xfrm>
-              <a:off x="1653614" y="3347116"/>
+              <a:off x="1563066" y="3347116"/>
               <a:ext cx="70347" cy="70347"/>
             </a:xfrm>
             <a:prstGeom prst="ellipse">
@@ -21738,7 +21738,7 @@
           </p:nvSpPr>
           <p:spPr>
             <a:xfrm>
-              <a:off x="1649194" y="3164265"/>
+              <a:off x="1619966" y="3164265"/>
               <a:ext cx="70347" cy="70347"/>
             </a:xfrm>
             <a:prstGeom prst="ellipse">
@@ -21773,7 +21773,7 @@
           </p:nvSpPr>
           <p:spPr>
             <a:xfrm>
-              <a:off x="1662878" y="3118552"/>
+              <a:off x="1547646" y="3118552"/>
               <a:ext cx="70347" cy="70347"/>
             </a:xfrm>
             <a:prstGeom prst="ellipse">
@@ -21808,7 +21808,7 @@
           </p:nvSpPr>
           <p:spPr>
             <a:xfrm>
-              <a:off x="1592117" y="3164265"/>
+              <a:off x="1566290" y="3164265"/>
               <a:ext cx="70347" cy="70347"/>
             </a:xfrm>
             <a:prstGeom prst="ellipse">
@@ -21843,7 +21843,7 @@
           </p:nvSpPr>
           <p:spPr>
             <a:xfrm>
-              <a:off x="1585089" y="3255690"/>
+              <a:off x="1564022" y="3255690"/>
               <a:ext cx="70347" cy="70347"/>
             </a:xfrm>
             <a:prstGeom prst="ellipse">
@@ -21878,7 +21878,7 @@
           </p:nvSpPr>
           <p:spPr>
             <a:xfrm>
-              <a:off x="1555647" y="3301403"/>
+              <a:off x="1560811" y="3301403"/>
               <a:ext cx="70347" cy="70347"/>
             </a:xfrm>
             <a:prstGeom prst="ellipse">
@@ -21913,7 +21913,7 @@
           </p:nvSpPr>
           <p:spPr>
             <a:xfrm>
-              <a:off x="1645892" y="3164265"/>
+              <a:off x="1575485" y="3164265"/>
               <a:ext cx="70347" cy="70347"/>
             </a:xfrm>
             <a:prstGeom prst="ellipse">
@@ -21948,7 +21948,7 @@
           </p:nvSpPr>
           <p:spPr>
             <a:xfrm>
-              <a:off x="1574485" y="2844275"/>
+              <a:off x="1644921" y="2844275"/>
               <a:ext cx="70347" cy="70347"/>
             </a:xfrm>
             <a:prstGeom prst="ellipse">
@@ -21983,7 +21983,7 @@
           </p:nvSpPr>
           <p:spPr>
             <a:xfrm>
-              <a:off x="1659418" y="2798562"/>
+              <a:off x="1668577" y="2798562"/>
               <a:ext cx="70347" cy="70347"/>
             </a:xfrm>
             <a:prstGeom prst="ellipse">
@@ -22018,7 +22018,7 @@
           </p:nvSpPr>
           <p:spPr>
             <a:xfrm>
-              <a:off x="1562621" y="3301403"/>
+              <a:off x="1587694" y="3301403"/>
               <a:ext cx="70347" cy="70347"/>
             </a:xfrm>
             <a:prstGeom prst="ellipse">
@@ -22053,7 +22053,7 @@
           </p:nvSpPr>
           <p:spPr>
             <a:xfrm>
-              <a:off x="1666618" y="3255690"/>
+              <a:off x="1539843" y="3255690"/>
               <a:ext cx="70347" cy="70347"/>
             </a:xfrm>
             <a:prstGeom prst="ellipse">
@@ -22088,7 +22088,7 @@
           </p:nvSpPr>
           <p:spPr>
             <a:xfrm>
-              <a:off x="1537123" y="3118552"/>
+              <a:off x="1534774" y="3118552"/>
               <a:ext cx="70347" cy="70347"/>
             </a:xfrm>
             <a:prstGeom prst="ellipse">
@@ -22123,7 +22123,7 @@
           </p:nvSpPr>
           <p:spPr>
             <a:xfrm>
-              <a:off x="1556761" y="3072839"/>
+              <a:off x="1527548" y="3072839"/>
               <a:ext cx="70347" cy="70347"/>
             </a:xfrm>
             <a:prstGeom prst="ellipse">
@@ -22158,7 +22158,7 @@
           </p:nvSpPr>
           <p:spPr>
             <a:xfrm>
-              <a:off x="1537932" y="3347116"/>
+              <a:off x="1588149" y="3347116"/>
               <a:ext cx="70347" cy="70347"/>
             </a:xfrm>
             <a:prstGeom prst="ellipse">
@@ -22193,7 +22193,7 @@
           </p:nvSpPr>
           <p:spPr>
             <a:xfrm>
-              <a:off x="1563098" y="3164265"/>
+              <a:off x="1543899" y="3164265"/>
               <a:ext cx="70347" cy="70347"/>
             </a:xfrm>
             <a:prstGeom prst="ellipse">
@@ -22228,7 +22228,7 @@
           </p:nvSpPr>
           <p:spPr>
             <a:xfrm>
-              <a:off x="1529873" y="3118552"/>
+              <a:off x="1575236" y="3118552"/>
               <a:ext cx="70347" cy="70347"/>
             </a:xfrm>
             <a:prstGeom prst="ellipse">
@@ -22263,7 +22263,7 @@
           </p:nvSpPr>
           <p:spPr>
             <a:xfrm>
-              <a:off x="1567510" y="3667105"/>
+              <a:off x="1565538" y="3667105"/>
               <a:ext cx="70347" cy="70347"/>
             </a:xfrm>
             <a:prstGeom prst="ellipse">
@@ -22298,7 +22298,7 @@
           </p:nvSpPr>
           <p:spPr>
             <a:xfrm>
-              <a:off x="1634864" y="3255690"/>
+              <a:off x="1609207" y="3255690"/>
               <a:ext cx="70347" cy="70347"/>
             </a:xfrm>
             <a:prstGeom prst="ellipse">
@@ -22333,7 +22333,7 @@
           </p:nvSpPr>
           <p:spPr>
             <a:xfrm>
-              <a:off x="1590172" y="3118552"/>
+              <a:off x="1574739" y="3118552"/>
               <a:ext cx="70347" cy="70347"/>
             </a:xfrm>
             <a:prstGeom prst="ellipse">
@@ -22368,7 +22368,7 @@
           </p:nvSpPr>
           <p:spPr>
             <a:xfrm>
-              <a:off x="1634649" y="2981413"/>
+              <a:off x="1651751" y="2981413"/>
               <a:ext cx="70347" cy="70347"/>
             </a:xfrm>
             <a:prstGeom prst="ellipse">
@@ -22403,7 +22403,7 @@
           </p:nvSpPr>
           <p:spPr>
             <a:xfrm>
-              <a:off x="1543179" y="3347116"/>
+              <a:off x="1547007" y="3347116"/>
               <a:ext cx="70347" cy="70347"/>
             </a:xfrm>
             <a:prstGeom prst="ellipse">
@@ -22438,7 +22438,7 @@
           </p:nvSpPr>
           <p:spPr>
             <a:xfrm>
-              <a:off x="1639086" y="2981413"/>
+              <a:off x="1615005" y="2981413"/>
               <a:ext cx="70347" cy="70347"/>
             </a:xfrm>
             <a:prstGeom prst="ellipse">
@@ -22473,7 +22473,7 @@
           </p:nvSpPr>
           <p:spPr>
             <a:xfrm>
-              <a:off x="1561629" y="3255690"/>
+              <a:off x="1590083" y="3255690"/>
               <a:ext cx="70347" cy="70347"/>
             </a:xfrm>
             <a:prstGeom prst="ellipse">
@@ -22508,7 +22508,7 @@
           </p:nvSpPr>
           <p:spPr>
             <a:xfrm>
-              <a:off x="1596293" y="3027126"/>
+              <a:off x="1624880" y="3027126"/>
               <a:ext cx="70347" cy="70347"/>
             </a:xfrm>
             <a:prstGeom prst="ellipse">
@@ -22543,7 +22543,7 @@
           </p:nvSpPr>
           <p:spPr>
             <a:xfrm>
-              <a:off x="1663776" y="3209977"/>
+              <a:off x="1671717" y="3209977"/>
               <a:ext cx="70347" cy="70347"/>
             </a:xfrm>
             <a:prstGeom prst="ellipse">
@@ -22578,7 +22578,7 @@
           </p:nvSpPr>
           <p:spPr>
             <a:xfrm>
-              <a:off x="2003403" y="3255690"/>
+              <a:off x="1973444" y="3255690"/>
               <a:ext cx="70347" cy="70347"/>
             </a:xfrm>
             <a:prstGeom prst="ellipse">
@@ -22613,7 +22613,7 @@
           </p:nvSpPr>
           <p:spPr>
             <a:xfrm>
-              <a:off x="1961586" y="3255690"/>
+              <a:off x="1999155" y="3255690"/>
               <a:ext cx="70347" cy="70347"/>
             </a:xfrm>
             <a:prstGeom prst="ellipse">
@@ -22648,7 +22648,7 @@
           </p:nvSpPr>
           <p:spPr>
             <a:xfrm>
-              <a:off x="2047907" y="3301403"/>
+              <a:off x="1976005" y="3301403"/>
               <a:ext cx="70347" cy="70347"/>
             </a:xfrm>
             <a:prstGeom prst="ellipse">
@@ -22683,7 +22683,7 @@
           </p:nvSpPr>
           <p:spPr>
             <a:xfrm>
-              <a:off x="1984322" y="3667105"/>
+              <a:off x="1941179" y="3667105"/>
               <a:ext cx="70347" cy="70347"/>
             </a:xfrm>
             <a:prstGeom prst="ellipse">
@@ -22718,7 +22718,7 @@
           </p:nvSpPr>
           <p:spPr>
             <a:xfrm>
-              <a:off x="1984220" y="3438541"/>
+              <a:off x="1965248" y="3438541"/>
               <a:ext cx="70347" cy="70347"/>
             </a:xfrm>
             <a:prstGeom prst="ellipse">
@@ -22753,7 +22753,7 @@
           </p:nvSpPr>
           <p:spPr>
             <a:xfrm>
-              <a:off x="1993524" y="3438541"/>
+              <a:off x="2035906" y="3438541"/>
               <a:ext cx="70347" cy="70347"/>
             </a:xfrm>
             <a:prstGeom prst="ellipse">
@@ -22788,7 +22788,7 @@
           </p:nvSpPr>
           <p:spPr>
             <a:xfrm>
-              <a:off x="1949914" y="3209977"/>
+              <a:off x="1969134" y="3209977"/>
               <a:ext cx="70347" cy="70347"/>
             </a:xfrm>
             <a:prstGeom prst="ellipse">
@@ -22823,7 +22823,7 @@
           </p:nvSpPr>
           <p:spPr>
             <a:xfrm>
-              <a:off x="1909038" y="3621392"/>
+              <a:off x="2015112" y="3621392"/>
               <a:ext cx="70347" cy="70347"/>
             </a:xfrm>
             <a:prstGeom prst="ellipse">
@@ -22858,7 +22858,7 @@
           </p:nvSpPr>
           <p:spPr>
             <a:xfrm>
-              <a:off x="2027156" y="3392828"/>
+              <a:off x="1963747" y="3392828"/>
               <a:ext cx="70347" cy="70347"/>
             </a:xfrm>
             <a:prstGeom prst="ellipse">
@@ -22893,7 +22893,7 @@
           </p:nvSpPr>
           <p:spPr>
             <a:xfrm>
-              <a:off x="2023869" y="3484254"/>
+              <a:off x="1920830" y="3484254"/>
               <a:ext cx="70347" cy="70347"/>
             </a:xfrm>
             <a:prstGeom prst="ellipse">
@@ -22928,7 +22928,7 @@
           </p:nvSpPr>
           <p:spPr>
             <a:xfrm>
-              <a:off x="2011399" y="3804244"/>
+              <a:off x="1913627" y="3804244"/>
               <a:ext cx="70347" cy="70347"/>
             </a:xfrm>
             <a:prstGeom prst="ellipse">
@@ -22963,7 +22963,7 @@
           </p:nvSpPr>
           <p:spPr>
             <a:xfrm>
-              <a:off x="2018051" y="3347116"/>
+              <a:off x="2052758" y="3347116"/>
               <a:ext cx="70347" cy="70347"/>
             </a:xfrm>
             <a:prstGeom prst="ellipse">
@@ -22998,7 +22998,7 @@
           </p:nvSpPr>
           <p:spPr>
             <a:xfrm>
-              <a:off x="1903665" y="3712818"/>
+              <a:off x="2018896" y="3712818"/>
               <a:ext cx="70347" cy="70347"/>
             </a:xfrm>
             <a:prstGeom prst="ellipse">
@@ -23033,7 +23033,7 @@
           </p:nvSpPr>
           <p:spPr>
             <a:xfrm>
-              <a:off x="1930663" y="3392828"/>
+              <a:off x="1982102" y="3392828"/>
               <a:ext cx="70347" cy="70347"/>
             </a:xfrm>
             <a:prstGeom prst="ellipse">
@@ -23068,7 +23068,7 @@
           </p:nvSpPr>
           <p:spPr>
             <a:xfrm>
-              <a:off x="1931863" y="3392828"/>
+              <a:off x="1908211" y="3392828"/>
               <a:ext cx="70347" cy="70347"/>
             </a:xfrm>
             <a:prstGeom prst="ellipse">
@@ -23103,7 +23103,7 @@
           </p:nvSpPr>
           <p:spPr>
             <a:xfrm>
-              <a:off x="1948562" y="3301403"/>
+              <a:off x="1969556" y="3301403"/>
               <a:ext cx="70347" cy="70347"/>
             </a:xfrm>
             <a:prstGeom prst="ellipse">
@@ -23138,7 +23138,7 @@
           </p:nvSpPr>
           <p:spPr>
             <a:xfrm>
-              <a:off x="1962115" y="3347116"/>
+              <a:off x="2052263" y="3347116"/>
               <a:ext cx="70347" cy="70347"/>
             </a:xfrm>
             <a:prstGeom prst="ellipse">
@@ -23173,7 +23173,7 @@
           </p:nvSpPr>
           <p:spPr>
             <a:xfrm>
-              <a:off x="1901190" y="3484254"/>
+              <a:off x="1969713" y="3484254"/>
               <a:ext cx="70347" cy="70347"/>
             </a:xfrm>
             <a:prstGeom prst="ellipse">
@@ -23208,7 +23208,7 @@
           </p:nvSpPr>
           <p:spPr>
             <a:xfrm>
-              <a:off x="1961319" y="3712818"/>
+              <a:off x="1987042" y="3712818"/>
               <a:ext cx="70347" cy="70347"/>
             </a:xfrm>
             <a:prstGeom prst="ellipse">
@@ -23243,7 +23243,7 @@
           </p:nvSpPr>
           <p:spPr>
             <a:xfrm>
-              <a:off x="1934204" y="3575680"/>
+              <a:off x="2042791" y="3575680"/>
               <a:ext cx="70347" cy="70347"/>
             </a:xfrm>
             <a:prstGeom prst="ellipse">
@@ -23278,7 +23278,7 @@
           </p:nvSpPr>
           <p:spPr>
             <a:xfrm>
-              <a:off x="2012412" y="3255690"/>
+              <a:off x="1909938" y="3255690"/>
               <a:ext cx="70347" cy="70347"/>
             </a:xfrm>
             <a:prstGeom prst="ellipse">
@@ -23313,7 +23313,7 @@
           </p:nvSpPr>
           <p:spPr>
             <a:xfrm>
-              <a:off x="1940860" y="3438541"/>
+              <a:off x="1959284" y="3438541"/>
               <a:ext cx="70347" cy="70347"/>
             </a:xfrm>
             <a:prstGeom prst="ellipse">
@@ -23348,7 +23348,7 @@
           </p:nvSpPr>
           <p:spPr>
             <a:xfrm>
-              <a:off x="2004870" y="3575680"/>
+              <a:off x="1971769" y="3575680"/>
               <a:ext cx="70347" cy="70347"/>
             </a:xfrm>
             <a:prstGeom prst="ellipse">
@@ -23383,7 +23383,7 @@
           </p:nvSpPr>
           <p:spPr>
             <a:xfrm>
-              <a:off x="1913097" y="3438541"/>
+              <a:off x="1939703" y="3438541"/>
               <a:ext cx="70347" cy="70347"/>
             </a:xfrm>
             <a:prstGeom prst="ellipse">
@@ -23418,7 +23418,7 @@
           </p:nvSpPr>
           <p:spPr>
             <a:xfrm>
-              <a:off x="1937833" y="3392828"/>
+              <a:off x="2046048" y="3392828"/>
               <a:ext cx="70347" cy="70347"/>
             </a:xfrm>
             <a:prstGeom prst="ellipse">
@@ -23453,7 +23453,7 @@
           </p:nvSpPr>
           <p:spPr>
             <a:xfrm>
-              <a:off x="2044860" y="3347116"/>
+              <a:off x="1913870" y="3347116"/>
               <a:ext cx="70347" cy="70347"/>
             </a:xfrm>
             <a:prstGeom prst="ellipse">
@@ -23488,7 +23488,7 @@
           </p:nvSpPr>
           <p:spPr>
             <a:xfrm>
-              <a:off x="1969693" y="3438541"/>
+              <a:off x="2033470" y="3438541"/>
               <a:ext cx="70347" cy="70347"/>
             </a:xfrm>
             <a:prstGeom prst="ellipse">
@@ -23523,7 +23523,7 @@
           </p:nvSpPr>
           <p:spPr>
             <a:xfrm>
-              <a:off x="2052428" y="3347116"/>
+              <a:off x="2044625" y="3347116"/>
               <a:ext cx="70347" cy="70347"/>
             </a:xfrm>
             <a:prstGeom prst="ellipse">
@@ -23558,7 +23558,7 @@
           </p:nvSpPr>
           <p:spPr>
             <a:xfrm>
-              <a:off x="1935198" y="3392828"/>
+              <a:off x="1909692" y="3392828"/>
               <a:ext cx="70347" cy="70347"/>
             </a:xfrm>
             <a:prstGeom prst="ellipse">
@@ -23593,7 +23593,7 @@
           </p:nvSpPr>
           <p:spPr>
             <a:xfrm>
-              <a:off x="2039912" y="3529967"/>
+              <a:off x="2003334" y="3529967"/>
               <a:ext cx="70347" cy="70347"/>
             </a:xfrm>
             <a:prstGeom prst="ellipse">
@@ -23628,7 +23628,7 @@
           </p:nvSpPr>
           <p:spPr>
             <a:xfrm>
-              <a:off x="2012882" y="3621392"/>
+              <a:off x="2048422" y="3621392"/>
               <a:ext cx="70347" cy="70347"/>
             </a:xfrm>
             <a:prstGeom prst="ellipse">
@@ -23663,7 +23663,7 @@
           </p:nvSpPr>
           <p:spPr>
             <a:xfrm>
-              <a:off x="2050444" y="3621392"/>
+              <a:off x="1938770" y="3621392"/>
               <a:ext cx="70347" cy="70347"/>
             </a:xfrm>
             <a:prstGeom prst="ellipse">
@@ -23698,7 +23698,7 @@
           </p:nvSpPr>
           <p:spPr>
             <a:xfrm>
-              <a:off x="2014013" y="3484254"/>
+              <a:off x="1999027" y="3484254"/>
               <a:ext cx="70347" cy="70347"/>
             </a:xfrm>
             <a:prstGeom prst="ellipse">
@@ -23733,7 +23733,7 @@
           </p:nvSpPr>
           <p:spPr>
             <a:xfrm>
-              <a:off x="1906364" y="3484254"/>
+              <a:off x="2046920" y="3484254"/>
               <a:ext cx="70347" cy="70347"/>
             </a:xfrm>
             <a:prstGeom prst="ellipse">
@@ -23768,7 +23768,7 @@
           </p:nvSpPr>
           <p:spPr>
             <a:xfrm>
-              <a:off x="1986719" y="3347116"/>
+              <a:off x="1954872" y="3347116"/>
               <a:ext cx="70347" cy="70347"/>
             </a:xfrm>
             <a:prstGeom prst="ellipse">
@@ -23803,7 +23803,7 @@
           </p:nvSpPr>
           <p:spPr>
             <a:xfrm>
-              <a:off x="1935852" y="3164265"/>
+              <a:off x="2028750" y="3164265"/>
               <a:ext cx="70347" cy="70347"/>
             </a:xfrm>
             <a:prstGeom prst="ellipse">
@@ -23838,7 +23838,7 @@
           </p:nvSpPr>
           <p:spPr>
             <a:xfrm>
-              <a:off x="1930858" y="3301403"/>
+              <a:off x="1978296" y="3301403"/>
               <a:ext cx="70347" cy="70347"/>
             </a:xfrm>
             <a:prstGeom prst="ellipse">
@@ -23873,7 +23873,7 @@
           </p:nvSpPr>
           <p:spPr>
             <a:xfrm>
-              <a:off x="2019902" y="3667105"/>
+              <a:off x="2034104" y="3667105"/>
               <a:ext cx="70347" cy="70347"/>
             </a:xfrm>
             <a:prstGeom prst="ellipse">
@@ -23908,7 +23908,7 @@
           </p:nvSpPr>
           <p:spPr>
             <a:xfrm>
-              <a:off x="1979405" y="3347116"/>
+              <a:off x="1953191" y="3347116"/>
               <a:ext cx="70347" cy="70347"/>
             </a:xfrm>
             <a:prstGeom prst="ellipse">
@@ -23943,7 +23943,7 @@
           </p:nvSpPr>
           <p:spPr>
             <a:xfrm>
-              <a:off x="1961343" y="3575680"/>
+              <a:off x="2019194" y="3575680"/>
               <a:ext cx="70347" cy="70347"/>
             </a:xfrm>
             <a:prstGeom prst="ellipse">
@@ -23978,7 +23978,7 @@
           </p:nvSpPr>
           <p:spPr>
             <a:xfrm>
-              <a:off x="1943940" y="3529967"/>
+              <a:off x="1999109" y="3529967"/>
               <a:ext cx="70347" cy="70347"/>
             </a:xfrm>
             <a:prstGeom prst="ellipse">
@@ -24013,7 +24013,7 @@
           </p:nvSpPr>
           <p:spPr>
             <a:xfrm>
-              <a:off x="2005472" y="3347116"/>
+              <a:off x="2052413" y="3347116"/>
               <a:ext cx="70347" cy="70347"/>
             </a:xfrm>
             <a:prstGeom prst="ellipse">
@@ -24048,7 +24048,7 @@
           </p:nvSpPr>
           <p:spPr>
             <a:xfrm>
-              <a:off x="2050609" y="3529967"/>
+              <a:off x="1919945" y="3529967"/>
               <a:ext cx="70347" cy="70347"/>
             </a:xfrm>
             <a:prstGeom prst="ellipse">
@@ -24083,7 +24083,7 @@
           </p:nvSpPr>
           <p:spPr>
             <a:xfrm>
-              <a:off x="1967190" y="3667105"/>
+              <a:off x="2052597" y="3667105"/>
               <a:ext cx="70347" cy="70347"/>
             </a:xfrm>
             <a:prstGeom prst="ellipse">
@@ -24118,7 +24118,7 @@
           </p:nvSpPr>
           <p:spPr>
             <a:xfrm>
-              <a:off x="1959289" y="3484254"/>
+              <a:off x="2037681" y="3484254"/>
               <a:ext cx="70347" cy="70347"/>
             </a:xfrm>
             <a:prstGeom prst="ellipse">
@@ -24153,7 +24153,7 @@
           </p:nvSpPr>
           <p:spPr>
             <a:xfrm>
-              <a:off x="2045994" y="3347116"/>
+              <a:off x="2025727" y="3347116"/>
               <a:ext cx="70347" cy="70347"/>
             </a:xfrm>
             <a:prstGeom prst="ellipse">
@@ -24188,7 +24188,7 @@
           </p:nvSpPr>
           <p:spPr>
             <a:xfrm>
-              <a:off x="1960044" y="3392828"/>
+              <a:off x="1904276" y="3392828"/>
               <a:ext cx="70347" cy="70347"/>
             </a:xfrm>
             <a:prstGeom prst="ellipse">
@@ -24223,7 +24223,7 @@
           </p:nvSpPr>
           <p:spPr>
             <a:xfrm>
-              <a:off x="2052142" y="3392828"/>
+              <a:off x="1967212" y="3392828"/>
               <a:ext cx="70347" cy="70347"/>
             </a:xfrm>
             <a:prstGeom prst="ellipse">
@@ -24258,7 +24258,7 @@
           </p:nvSpPr>
           <p:spPr>
             <a:xfrm>
-              <a:off x="2043143" y="3575680"/>
+              <a:off x="1916634" y="3575680"/>
               <a:ext cx="70347" cy="70347"/>
             </a:xfrm>
             <a:prstGeom prst="ellipse">
@@ -24293,7 +24293,7 @@
           </p:nvSpPr>
           <p:spPr>
             <a:xfrm>
-              <a:off x="1926805" y="3438541"/>
+              <a:off x="1958121" y="3438541"/>
               <a:ext cx="70347" cy="70347"/>
             </a:xfrm>
             <a:prstGeom prst="ellipse">
@@ -24328,7 +24328,7 @@
           </p:nvSpPr>
           <p:spPr>
             <a:xfrm>
-              <a:off x="2347972" y="3209977"/>
+              <a:off x="2399706" y="3209977"/>
               <a:ext cx="70347" cy="70347"/>
             </a:xfrm>
             <a:prstGeom prst="ellipse">
@@ -24363,7 +24363,7 @@
           </p:nvSpPr>
           <p:spPr>
             <a:xfrm>
-              <a:off x="2308453" y="3484254"/>
+              <a:off x="2378593" y="3484254"/>
               <a:ext cx="70347" cy="70347"/>
             </a:xfrm>
             <a:prstGeom prst="ellipse">
@@ -24398,7 +24398,7 @@
           </p:nvSpPr>
           <p:spPr>
             <a:xfrm>
-              <a:off x="2290043" y="3347116"/>
+              <a:off x="2327039" y="3347116"/>
               <a:ext cx="70347" cy="70347"/>
             </a:xfrm>
             <a:prstGeom prst="ellipse">
@@ -24433,7 +24433,7 @@
           </p:nvSpPr>
           <p:spPr>
             <a:xfrm>
-              <a:off x="2316679" y="3392828"/>
+              <a:off x="2399177" y="3392828"/>
               <a:ext cx="70347" cy="70347"/>
             </a:xfrm>
             <a:prstGeom prst="ellipse">
@@ -24468,7 +24468,7 @@
           </p:nvSpPr>
           <p:spPr>
             <a:xfrm>
-              <a:off x="2405902" y="3347116"/>
+              <a:off x="2303027" y="3347116"/>
               <a:ext cx="70347" cy="70347"/>
             </a:xfrm>
             <a:prstGeom prst="ellipse">
@@ -24503,7 +24503,7 @@
           </p:nvSpPr>
           <p:spPr>
             <a:xfrm>
-              <a:off x="2393321" y="3347116"/>
+              <a:off x="2327490" y="3347116"/>
               <a:ext cx="70347" cy="70347"/>
             </a:xfrm>
             <a:prstGeom prst="ellipse">
@@ -24538,7 +24538,7 @@
           </p:nvSpPr>
           <p:spPr>
             <a:xfrm>
-              <a:off x="2377959" y="3575680"/>
+              <a:off x="2296948" y="3575680"/>
               <a:ext cx="70347" cy="70347"/>
             </a:xfrm>
             <a:prstGeom prst="ellipse">
@@ -24573,7 +24573,7 @@
           </p:nvSpPr>
           <p:spPr>
             <a:xfrm>
-              <a:off x="2322407" y="3392828"/>
+              <a:off x="2345604" y="3392828"/>
               <a:ext cx="70347" cy="70347"/>
             </a:xfrm>
             <a:prstGeom prst="ellipse">
@@ -24608,7 +24608,7 @@
           </p:nvSpPr>
           <p:spPr>
             <a:xfrm>
-              <a:off x="2392309" y="3575680"/>
+              <a:off x="2380853" y="3575680"/>
               <a:ext cx="70347" cy="70347"/>
             </a:xfrm>
             <a:prstGeom prst="ellipse">
@@ -24643,7 +24643,7 @@
           </p:nvSpPr>
           <p:spPr>
             <a:xfrm>
-              <a:off x="2391479" y="3072839"/>
+              <a:off x="2385114" y="3072839"/>
               <a:ext cx="70347" cy="70347"/>
             </a:xfrm>
             <a:prstGeom prst="ellipse">
@@ -24678,7 +24678,7 @@
           </p:nvSpPr>
           <p:spPr>
             <a:xfrm>
-              <a:off x="2433770" y="3255690"/>
+              <a:off x="2421996" y="3255690"/>
               <a:ext cx="70347" cy="70347"/>
             </a:xfrm>
             <a:prstGeom prst="ellipse">
@@ -24713,7 +24713,7 @@
           </p:nvSpPr>
           <p:spPr>
             <a:xfrm>
-              <a:off x="2372187" y="3484254"/>
+              <a:off x="2343040" y="3484254"/>
               <a:ext cx="70347" cy="70347"/>
             </a:xfrm>
             <a:prstGeom prst="ellipse">
@@ -24748,7 +24748,7 @@
           </p:nvSpPr>
           <p:spPr>
             <a:xfrm>
-              <a:off x="2391297" y="3347116"/>
+              <a:off x="2332468" y="3347116"/>
               <a:ext cx="70347" cy="70347"/>
             </a:xfrm>
             <a:prstGeom prst="ellipse">
@@ -24783,7 +24783,7 @@
           </p:nvSpPr>
           <p:spPr>
             <a:xfrm>
-              <a:off x="2402629" y="3575680"/>
+              <a:off x="2335414" y="3575680"/>
               <a:ext cx="70347" cy="70347"/>
             </a:xfrm>
             <a:prstGeom prst="ellipse">
@@ -24818,7 +24818,7 @@
           </p:nvSpPr>
           <p:spPr>
             <a:xfrm>
-              <a:off x="2352756" y="3438541"/>
+              <a:off x="2345315" y="3438541"/>
               <a:ext cx="70347" cy="70347"/>
             </a:xfrm>
             <a:prstGeom prst="ellipse">
@@ -24853,7 +24853,7 @@
           </p:nvSpPr>
           <p:spPr>
             <a:xfrm>
-              <a:off x="2375943" y="3255690"/>
+              <a:off x="2384715" y="3255690"/>
               <a:ext cx="70347" cy="70347"/>
             </a:xfrm>
             <a:prstGeom prst="ellipse">
@@ -24888,7 +24888,7 @@
           </p:nvSpPr>
           <p:spPr>
             <a:xfrm>
-              <a:off x="2388087" y="3347116"/>
+              <a:off x="2295016" y="3347116"/>
               <a:ext cx="70347" cy="70347"/>
             </a:xfrm>
             <a:prstGeom prst="ellipse">
@@ -24923,7 +24923,7 @@
           </p:nvSpPr>
           <p:spPr>
             <a:xfrm>
-              <a:off x="2409230" y="2981413"/>
+              <a:off x="2292414" y="2981413"/>
               <a:ext cx="70347" cy="70347"/>
             </a:xfrm>
             <a:prstGeom prst="ellipse">
@@ -24958,7 +24958,7 @@
           </p:nvSpPr>
           <p:spPr>
             <a:xfrm>
-              <a:off x="2297247" y="3529967"/>
+              <a:off x="2379826" y="3529967"/>
               <a:ext cx="70347" cy="70347"/>
             </a:xfrm>
             <a:prstGeom prst="ellipse">
@@ -24993,7 +24993,7 @@
           </p:nvSpPr>
           <p:spPr>
             <a:xfrm>
-              <a:off x="2365668" y="3712818"/>
+              <a:off x="2392659" y="3712818"/>
               <a:ext cx="70347" cy="70347"/>
             </a:xfrm>
             <a:prstGeom prst="ellipse">
@@ -25028,7 +25028,7 @@
           </p:nvSpPr>
           <p:spPr>
             <a:xfrm>
-              <a:off x="2355565" y="3255690"/>
+              <a:off x="2293043" y="3255690"/>
               <a:ext cx="70347" cy="70347"/>
             </a:xfrm>
             <a:prstGeom prst="ellipse">
@@ -25063,7 +25063,7 @@
           </p:nvSpPr>
           <p:spPr>
             <a:xfrm>
-              <a:off x="2403229" y="3438541"/>
+              <a:off x="2322671" y="3438541"/>
               <a:ext cx="70347" cy="70347"/>
             </a:xfrm>
             <a:prstGeom prst="ellipse">
@@ -25098,7 +25098,7 @@
           </p:nvSpPr>
           <p:spPr>
             <a:xfrm>
-              <a:off x="2428692" y="3438541"/>
+              <a:off x="2323374" y="3438541"/>
               <a:ext cx="70347" cy="70347"/>
             </a:xfrm>
             <a:prstGeom prst="ellipse">
@@ -25133,7 +25133,7 @@
           </p:nvSpPr>
           <p:spPr>
             <a:xfrm>
-              <a:off x="2304317" y="3484254"/>
+              <a:off x="2391706" y="3484254"/>
               <a:ext cx="70347" cy="70347"/>
             </a:xfrm>
             <a:prstGeom prst="ellipse">
@@ -25168,7 +25168,7 @@
           </p:nvSpPr>
           <p:spPr>
             <a:xfrm>
-              <a:off x="2427581" y="3209977"/>
+              <a:off x="2307322" y="3209977"/>
               <a:ext cx="70347" cy="70347"/>
             </a:xfrm>
             <a:prstGeom prst="ellipse">
@@ -25203,7 +25203,7 @@
           </p:nvSpPr>
           <p:spPr>
             <a:xfrm>
-              <a:off x="2383413" y="3255690"/>
+              <a:off x="2353785" y="3255690"/>
               <a:ext cx="70347" cy="70347"/>
             </a:xfrm>
             <a:prstGeom prst="ellipse">
@@ -25238,7 +25238,7 @@
           </p:nvSpPr>
           <p:spPr>
             <a:xfrm>
-              <a:off x="2354910" y="3438541"/>
+              <a:off x="2429182" y="3438541"/>
               <a:ext cx="70347" cy="70347"/>
             </a:xfrm>
             <a:prstGeom prst="ellipse">
@@ -25273,7 +25273,7 @@
           </p:nvSpPr>
           <p:spPr>
             <a:xfrm>
-              <a:off x="2431803" y="3347116"/>
+              <a:off x="2333735" y="3347116"/>
               <a:ext cx="70347" cy="70347"/>
             </a:xfrm>
             <a:prstGeom prst="ellipse">
@@ -25308,7 +25308,7 @@
           </p:nvSpPr>
           <p:spPr>
             <a:xfrm>
-              <a:off x="2421807" y="3438541"/>
+              <a:off x="2339263" y="3438541"/>
               <a:ext cx="70347" cy="70347"/>
             </a:xfrm>
             <a:prstGeom prst="ellipse">
@@ -25343,7 +25343,7 @@
           </p:nvSpPr>
           <p:spPr>
             <a:xfrm>
-              <a:off x="2329614" y="3347116"/>
+              <a:off x="2428636" y="3347116"/>
               <a:ext cx="70347" cy="70347"/>
             </a:xfrm>
             <a:prstGeom prst="ellipse">
@@ -25378,7 +25378,7 @@
           </p:nvSpPr>
           <p:spPr>
             <a:xfrm>
-              <a:off x="2307737" y="3438541"/>
+              <a:off x="2327142" y="3438541"/>
               <a:ext cx="70347" cy="70347"/>
             </a:xfrm>
             <a:prstGeom prst="ellipse">
@@ -25413,7 +25413,7 @@
           </p:nvSpPr>
           <p:spPr>
             <a:xfrm>
-              <a:off x="2282269" y="2981413"/>
+              <a:off x="2406204" y="2981413"/>
               <a:ext cx="70347" cy="70347"/>
             </a:xfrm>
             <a:prstGeom prst="ellipse">
@@ -25448,7 +25448,7 @@
           </p:nvSpPr>
           <p:spPr>
             <a:xfrm>
-              <a:off x="2382924" y="3438541"/>
+              <a:off x="2417908" y="3438541"/>
               <a:ext cx="70347" cy="70347"/>
             </a:xfrm>
             <a:prstGeom prst="ellipse">
@@ -25483,7 +25483,7 @@
           </p:nvSpPr>
           <p:spPr>
             <a:xfrm>
-              <a:off x="2425518" y="3438541"/>
+              <a:off x="2342556" y="3438541"/>
               <a:ext cx="70347" cy="70347"/>
             </a:xfrm>
             <a:prstGeom prst="ellipse">
@@ -25518,7 +25518,7 @@
           </p:nvSpPr>
           <p:spPr>
             <a:xfrm>
-              <a:off x="2412438" y="3529967"/>
+              <a:off x="2370154" y="3529967"/>
               <a:ext cx="70347" cy="70347"/>
             </a:xfrm>
             <a:prstGeom prst="ellipse">
@@ -25553,7 +25553,7 @@
           </p:nvSpPr>
           <p:spPr>
             <a:xfrm>
-              <a:off x="2422417" y="3347116"/>
+              <a:off x="2417119" y="3347116"/>
               <a:ext cx="70347" cy="70347"/>
             </a:xfrm>
             <a:prstGeom prst="ellipse">
@@ -25588,7 +25588,7 @@
           </p:nvSpPr>
           <p:spPr>
             <a:xfrm>
-              <a:off x="2376584" y="3164265"/>
+              <a:off x="2330929" y="3164265"/>
               <a:ext cx="70347" cy="70347"/>
             </a:xfrm>
             <a:prstGeom prst="ellipse">
@@ -25623,7 +25623,7 @@
           </p:nvSpPr>
           <p:spPr>
             <a:xfrm>
-              <a:off x="2418519" y="3301403"/>
+              <a:off x="2426991" y="3301403"/>
               <a:ext cx="70347" cy="70347"/>
             </a:xfrm>
             <a:prstGeom prst="ellipse">
@@ -25658,7 +25658,7 @@
           </p:nvSpPr>
           <p:spPr>
             <a:xfrm>
-              <a:off x="2319118" y="3347116"/>
+              <a:off x="2355389" y="3347116"/>
               <a:ext cx="70347" cy="70347"/>
             </a:xfrm>
             <a:prstGeom prst="ellipse">
@@ -25693,7 +25693,7 @@
           </p:nvSpPr>
           <p:spPr>
             <a:xfrm>
-              <a:off x="2431955" y="3301403"/>
+              <a:off x="2387046" y="3301403"/>
               <a:ext cx="70347" cy="70347"/>
             </a:xfrm>
             <a:prstGeom prst="ellipse">
@@ -25728,7 +25728,7 @@
           </p:nvSpPr>
           <p:spPr>
             <a:xfrm>
-              <a:off x="2312264" y="3301403"/>
+              <a:off x="2299899" y="3301403"/>
               <a:ext cx="70347" cy="70347"/>
             </a:xfrm>
             <a:prstGeom prst="ellipse">
@@ -25763,7 +25763,7 @@
           </p:nvSpPr>
           <p:spPr>
             <a:xfrm>
-              <a:off x="2415082" y="3301403"/>
+              <a:off x="2372660" y="3301403"/>
               <a:ext cx="70347" cy="70347"/>
             </a:xfrm>
             <a:prstGeom prst="ellipse">
@@ -25798,7 +25798,7 @@
           </p:nvSpPr>
           <p:spPr>
             <a:xfrm>
-              <a:off x="2292260" y="3484254"/>
+              <a:off x="2405425" y="3484254"/>
               <a:ext cx="70347" cy="70347"/>
             </a:xfrm>
             <a:prstGeom prst="ellipse">
@@ -25833,7 +25833,7 @@
           </p:nvSpPr>
           <p:spPr>
             <a:xfrm>
-              <a:off x="2313366" y="3255690"/>
+              <a:off x="2420260" y="3255690"/>
               <a:ext cx="70347" cy="70347"/>
             </a:xfrm>
             <a:prstGeom prst="ellipse">
@@ -25868,7 +25868,7 @@
           </p:nvSpPr>
           <p:spPr>
             <a:xfrm>
-              <a:off x="2351475" y="3209977"/>
+              <a:off x="2383766" y="3209977"/>
               <a:ext cx="70347" cy="70347"/>
             </a:xfrm>
             <a:prstGeom prst="ellipse">
@@ -25903,7 +25903,7 @@
           </p:nvSpPr>
           <p:spPr>
             <a:xfrm>
-              <a:off x="2400313" y="3347116"/>
+              <a:off x="2304896" y="3347116"/>
               <a:ext cx="70347" cy="70347"/>
             </a:xfrm>
             <a:prstGeom prst="ellipse">
@@ -25938,7 +25938,7 @@
           </p:nvSpPr>
           <p:spPr>
             <a:xfrm>
-              <a:off x="2416082" y="3575680"/>
+              <a:off x="2411930" y="3575680"/>
               <a:ext cx="70347" cy="70347"/>
             </a:xfrm>
             <a:prstGeom prst="ellipse">
@@ -25973,7 +25973,7 @@
           </p:nvSpPr>
           <p:spPr>
             <a:xfrm>
-              <a:off x="2401857" y="3347116"/>
+              <a:off x="2367490" y="3347116"/>
               <a:ext cx="70347" cy="70347"/>
             </a:xfrm>
             <a:prstGeom prst="ellipse">
@@ -26008,7 +26008,7 @@
           </p:nvSpPr>
           <p:spPr>
             <a:xfrm>
-              <a:off x="2369770" y="3164265"/>
+              <a:off x="2329835" y="3164265"/>
               <a:ext cx="70347" cy="70347"/>
             </a:xfrm>
             <a:prstGeom prst="ellipse">
@@ -26043,7 +26043,7 @@
           </p:nvSpPr>
           <p:spPr>
             <a:xfrm>
-              <a:off x="2283014" y="3347116"/>
+              <a:off x="2365496" y="3347116"/>
               <a:ext cx="70347" cy="70347"/>
             </a:xfrm>
             <a:prstGeom prst="ellipse">
@@ -27196,7 +27196,7 @@
           </p:nvSpPr>
           <p:spPr>
             <a:xfrm>
-              <a:off x="3148151" y="2265804"/>
+              <a:off x="3095230" y="2265804"/>
               <a:ext cx="70347" cy="70347"/>
             </a:xfrm>
             <a:prstGeom prst="ellipse">
@@ -27231,7 +27231,7 @@
           </p:nvSpPr>
           <p:spPr>
             <a:xfrm>
-              <a:off x="3054164" y="2265804"/>
+              <a:off x="3169573" y="2265804"/>
               <a:ext cx="70347" cy="70347"/>
             </a:xfrm>
             <a:prstGeom prst="ellipse">
@@ -27266,7 +27266,7 @@
           </p:nvSpPr>
           <p:spPr>
             <a:xfrm>
-              <a:off x="3097384" y="2265804"/>
+              <a:off x="3188664" y="2265804"/>
               <a:ext cx="70347" cy="70347"/>
             </a:xfrm>
             <a:prstGeom prst="ellipse">
@@ -27301,7 +27301,7 @@
           </p:nvSpPr>
           <p:spPr>
             <a:xfrm>
-              <a:off x="3104331" y="2265804"/>
+              <a:off x="3193367" y="2265804"/>
               <a:ext cx="70347" cy="70347"/>
             </a:xfrm>
             <a:prstGeom prst="ellipse">
@@ -27336,7 +27336,7 @@
           </p:nvSpPr>
           <p:spPr>
             <a:xfrm>
-              <a:off x="3125002" y="2265804"/>
+              <a:off x="3103556" y="2265804"/>
               <a:ext cx="70347" cy="70347"/>
             </a:xfrm>
             <a:prstGeom prst="ellipse">
@@ -27371,7 +27371,7 @@
           </p:nvSpPr>
           <p:spPr>
             <a:xfrm>
-              <a:off x="3057664" y="2174378"/>
+              <a:off x="3140742" y="2174378"/>
               <a:ext cx="70347" cy="70347"/>
             </a:xfrm>
             <a:prstGeom prst="ellipse">
@@ -27406,7 +27406,7 @@
           </p:nvSpPr>
           <p:spPr>
             <a:xfrm>
-              <a:off x="3146832" y="2220091"/>
+              <a:off x="3179356" y="2220091"/>
               <a:ext cx="70347" cy="70347"/>
             </a:xfrm>
             <a:prstGeom prst="ellipse">
@@ -27441,7 +27441,7 @@
           </p:nvSpPr>
           <p:spPr>
             <a:xfrm>
-              <a:off x="3088312" y="2265804"/>
+              <a:off x="3185793" y="2265804"/>
               <a:ext cx="70347" cy="70347"/>
             </a:xfrm>
             <a:prstGeom prst="ellipse">
@@ -27476,7 +27476,7 @@
           </p:nvSpPr>
           <p:spPr>
             <a:xfrm>
-              <a:off x="3130983" y="2265804"/>
+              <a:off x="3173927" y="2265804"/>
               <a:ext cx="70347" cy="70347"/>
             </a:xfrm>
             <a:prstGeom prst="ellipse">
@@ -27511,7 +27511,7 @@
           </p:nvSpPr>
           <p:spPr>
             <a:xfrm>
-              <a:off x="3070299" y="2311516"/>
+              <a:off x="3199143" y="2311516"/>
               <a:ext cx="70347" cy="70347"/>
             </a:xfrm>
             <a:prstGeom prst="ellipse">
@@ -27546,7 +27546,7 @@
           </p:nvSpPr>
           <p:spPr>
             <a:xfrm>
-              <a:off x="3121199" y="2265804"/>
+              <a:off x="3126122" y="2265804"/>
               <a:ext cx="70347" cy="70347"/>
             </a:xfrm>
             <a:prstGeom prst="ellipse">
@@ -27581,7 +27581,7 @@
           </p:nvSpPr>
           <p:spPr>
             <a:xfrm>
-              <a:off x="3193534" y="2265804"/>
+              <a:off x="3064051" y="2265804"/>
               <a:ext cx="70347" cy="70347"/>
             </a:xfrm>
             <a:prstGeom prst="ellipse">
@@ -27616,7 +27616,7 @@
           </p:nvSpPr>
           <p:spPr>
             <a:xfrm>
-              <a:off x="3063339" y="2311516"/>
+              <a:off x="3186069" y="2311516"/>
               <a:ext cx="70347" cy="70347"/>
             </a:xfrm>
             <a:prstGeom prst="ellipse">
@@ -27651,7 +27651,7 @@
           </p:nvSpPr>
           <p:spPr>
             <a:xfrm>
-              <a:off x="3174388" y="2311516"/>
+              <a:off x="3054154" y="2311516"/>
               <a:ext cx="70347" cy="70347"/>
             </a:xfrm>
             <a:prstGeom prst="ellipse">
@@ -27686,7 +27686,7 @@
           </p:nvSpPr>
           <p:spPr>
             <a:xfrm>
-              <a:off x="3085460" y="2265804"/>
+              <a:off x="3061135" y="2265804"/>
               <a:ext cx="70347" cy="70347"/>
             </a:xfrm>
             <a:prstGeom prst="ellipse">
@@ -27721,7 +27721,7 @@
           </p:nvSpPr>
           <p:spPr>
             <a:xfrm>
-              <a:off x="3061748" y="2174378"/>
+              <a:off x="3104670" y="2174378"/>
               <a:ext cx="70347" cy="70347"/>
             </a:xfrm>
             <a:prstGeom prst="ellipse">
@@ -27756,7 +27756,7 @@
           </p:nvSpPr>
           <p:spPr>
             <a:xfrm>
-              <a:off x="3162836" y="2174378"/>
+              <a:off x="3094983" y="2174378"/>
               <a:ext cx="70347" cy="70347"/>
             </a:xfrm>
             <a:prstGeom prst="ellipse">
@@ -27791,7 +27791,7 @@
           </p:nvSpPr>
           <p:spPr>
             <a:xfrm>
-              <a:off x="3184440" y="2220091"/>
+              <a:off x="3129872" y="2220091"/>
               <a:ext cx="70347" cy="70347"/>
             </a:xfrm>
             <a:prstGeom prst="ellipse">
@@ -27826,7 +27826,7 @@
           </p:nvSpPr>
           <p:spPr>
             <a:xfrm>
-              <a:off x="3116999" y="2220091"/>
+              <a:off x="3172524" y="2220091"/>
               <a:ext cx="70347" cy="70347"/>
             </a:xfrm>
             <a:prstGeom prst="ellipse">
@@ -27861,7 +27861,7 @@
           </p:nvSpPr>
           <p:spPr>
             <a:xfrm>
-              <a:off x="3073901" y="2220091"/>
+              <a:off x="3080969" y="2220091"/>
               <a:ext cx="70347" cy="70347"/>
             </a:xfrm>
             <a:prstGeom prst="ellipse">
@@ -27896,7 +27896,7 @@
           </p:nvSpPr>
           <p:spPr>
             <a:xfrm>
-              <a:off x="3095796" y="2265804"/>
+              <a:off x="3082665" y="2265804"/>
               <a:ext cx="70347" cy="70347"/>
             </a:xfrm>
             <a:prstGeom prst="ellipse">
@@ -27931,7 +27931,7 @@
           </p:nvSpPr>
           <p:spPr>
             <a:xfrm>
-              <a:off x="3184856" y="2174378"/>
+              <a:off x="3105215" y="2174378"/>
               <a:ext cx="70347" cy="70347"/>
             </a:xfrm>
             <a:prstGeom prst="ellipse">
@@ -27966,7 +27966,7 @@
           </p:nvSpPr>
           <p:spPr>
             <a:xfrm>
-              <a:off x="3151815" y="2265804"/>
+              <a:off x="3071327" y="2265804"/>
               <a:ext cx="70347" cy="70347"/>
             </a:xfrm>
             <a:prstGeom prst="ellipse">
@@ -28001,7 +28001,7 @@
           </p:nvSpPr>
           <p:spPr>
             <a:xfrm>
-              <a:off x="3049181" y="2128665"/>
+              <a:off x="3177223" y="2128665"/>
               <a:ext cx="70347" cy="70347"/>
             </a:xfrm>
             <a:prstGeom prst="ellipse">
@@ -28036,7 +28036,7 @@
           </p:nvSpPr>
           <p:spPr>
             <a:xfrm>
-              <a:off x="3073949" y="2265804"/>
+              <a:off x="3143020" y="2265804"/>
               <a:ext cx="70347" cy="70347"/>
             </a:xfrm>
             <a:prstGeom prst="ellipse">
@@ -28071,7 +28071,7 @@
           </p:nvSpPr>
           <p:spPr>
             <a:xfrm>
-              <a:off x="3155013" y="2265804"/>
+              <a:off x="3065253" y="2265804"/>
               <a:ext cx="70347" cy="70347"/>
             </a:xfrm>
             <a:prstGeom prst="ellipse">
@@ -28106,7 +28106,7 @@
           </p:nvSpPr>
           <p:spPr>
             <a:xfrm>
-              <a:off x="3164070" y="2174378"/>
+              <a:off x="3192456" y="2174378"/>
               <a:ext cx="70347" cy="70347"/>
             </a:xfrm>
             <a:prstGeom prst="ellipse">
@@ -28141,7 +28141,7 @@
           </p:nvSpPr>
           <p:spPr>
             <a:xfrm>
-              <a:off x="3159413" y="2265804"/>
+              <a:off x="3198559" y="2265804"/>
               <a:ext cx="70347" cy="70347"/>
             </a:xfrm>
             <a:prstGeom prst="ellipse">
@@ -28176,7 +28176,7 @@
           </p:nvSpPr>
           <p:spPr>
             <a:xfrm>
-              <a:off x="3163225" y="2265804"/>
+              <a:off x="3192492" y="2265804"/>
               <a:ext cx="70347" cy="70347"/>
             </a:xfrm>
             <a:prstGeom prst="ellipse">
@@ -28211,7 +28211,7 @@
           </p:nvSpPr>
           <p:spPr>
             <a:xfrm>
-              <a:off x="3105462" y="2265804"/>
+              <a:off x="3057058" y="2265804"/>
               <a:ext cx="70347" cy="70347"/>
             </a:xfrm>
             <a:prstGeom prst="ellipse">
@@ -28246,7 +28246,7 @@
           </p:nvSpPr>
           <p:spPr>
             <a:xfrm>
-              <a:off x="3127032" y="2265804"/>
+              <a:off x="3065057" y="2265804"/>
               <a:ext cx="70347" cy="70347"/>
             </a:xfrm>
             <a:prstGeom prst="ellipse">
@@ -28281,7 +28281,7 @@
           </p:nvSpPr>
           <p:spPr>
             <a:xfrm>
-              <a:off x="3051034" y="2174378"/>
+              <a:off x="3115880" y="2174378"/>
               <a:ext cx="70347" cy="70347"/>
             </a:xfrm>
             <a:prstGeom prst="ellipse">
@@ -28316,7 +28316,7 @@
           </p:nvSpPr>
           <p:spPr>
             <a:xfrm>
-              <a:off x="3084695" y="2311516"/>
+              <a:off x="3176921" y="2311516"/>
               <a:ext cx="70347" cy="70347"/>
             </a:xfrm>
             <a:prstGeom prst="ellipse">
@@ -28351,7 +28351,7 @@
           </p:nvSpPr>
           <p:spPr>
             <a:xfrm>
-              <a:off x="3059982" y="2265804"/>
+              <a:off x="3088293" y="2265804"/>
               <a:ext cx="70347" cy="70347"/>
             </a:xfrm>
             <a:prstGeom prst="ellipse">
@@ -28386,7 +28386,7 @@
           </p:nvSpPr>
           <p:spPr>
             <a:xfrm>
-              <a:off x="3118922" y="2265804"/>
+              <a:off x="3084012" y="2265804"/>
               <a:ext cx="70347" cy="70347"/>
             </a:xfrm>
             <a:prstGeom prst="ellipse">
@@ -28421,7 +28421,7 @@
           </p:nvSpPr>
           <p:spPr>
             <a:xfrm>
-              <a:off x="3100401" y="2265804"/>
+              <a:off x="3112819" y="2265804"/>
               <a:ext cx="70347" cy="70347"/>
             </a:xfrm>
             <a:prstGeom prst="ellipse">
@@ -28456,7 +28456,7 @@
           </p:nvSpPr>
           <p:spPr>
             <a:xfrm>
-              <a:off x="3055876" y="2265804"/>
+              <a:off x="3064962" y="2265804"/>
               <a:ext cx="70347" cy="70347"/>
             </a:xfrm>
             <a:prstGeom prst="ellipse">
@@ -28491,7 +28491,7 @@
           </p:nvSpPr>
           <p:spPr>
             <a:xfrm>
-              <a:off x="3095548" y="2311516"/>
+              <a:off x="3189030" y="2311516"/>
               <a:ext cx="70347" cy="70347"/>
             </a:xfrm>
             <a:prstGeom prst="ellipse">
@@ -28526,7 +28526,7 @@
           </p:nvSpPr>
           <p:spPr>
             <a:xfrm>
-              <a:off x="3057581" y="2265804"/>
+              <a:off x="3177380" y="2265804"/>
               <a:ext cx="70347" cy="70347"/>
             </a:xfrm>
             <a:prstGeom prst="ellipse">
@@ -28561,7 +28561,7 @@
           </p:nvSpPr>
           <p:spPr>
             <a:xfrm>
-              <a:off x="3148446" y="2265804"/>
+              <a:off x="3154221" y="2265804"/>
               <a:ext cx="70347" cy="70347"/>
             </a:xfrm>
             <a:prstGeom prst="ellipse">
@@ -28596,7 +28596,7 @@
           </p:nvSpPr>
           <p:spPr>
             <a:xfrm>
-              <a:off x="3158169" y="2220091"/>
+              <a:off x="3149582" y="2220091"/>
               <a:ext cx="70347" cy="70347"/>
             </a:xfrm>
             <a:prstGeom prst="ellipse">
@@ -28631,7 +28631,7 @@
           </p:nvSpPr>
           <p:spPr>
             <a:xfrm>
-              <a:off x="3066622" y="2220091"/>
+              <a:off x="3165672" y="2220091"/>
               <a:ext cx="70347" cy="70347"/>
             </a:xfrm>
             <a:prstGeom prst="ellipse">
@@ -28666,7 +28666,7 @@
           </p:nvSpPr>
           <p:spPr>
             <a:xfrm>
-              <a:off x="3056821" y="2265804"/>
+              <a:off x="3196312" y="2265804"/>
               <a:ext cx="70347" cy="70347"/>
             </a:xfrm>
             <a:prstGeom prst="ellipse">
@@ -28701,7 +28701,7 @@
           </p:nvSpPr>
           <p:spPr>
             <a:xfrm>
-              <a:off x="3122443" y="2082953"/>
+              <a:off x="3143917" y="2082953"/>
               <a:ext cx="70347" cy="70347"/>
             </a:xfrm>
             <a:prstGeom prst="ellipse">
@@ -28736,7 +28736,7 @@
           </p:nvSpPr>
           <p:spPr>
             <a:xfrm>
-              <a:off x="3165805" y="2174378"/>
+              <a:off x="3076849" y="2174378"/>
               <a:ext cx="70347" cy="70347"/>
             </a:xfrm>
             <a:prstGeom prst="ellipse">
@@ -28771,7 +28771,7 @@
           </p:nvSpPr>
           <p:spPr>
             <a:xfrm>
-              <a:off x="3184546" y="2220091"/>
+              <a:off x="3150059" y="2220091"/>
               <a:ext cx="70347" cy="70347"/>
             </a:xfrm>
             <a:prstGeom prst="ellipse">
@@ -28806,7 +28806,7 @@
           </p:nvSpPr>
           <p:spPr>
             <a:xfrm>
-              <a:off x="3138705" y="2265804"/>
+              <a:off x="3068875" y="2265804"/>
               <a:ext cx="70347" cy="70347"/>
             </a:xfrm>
             <a:prstGeom prst="ellipse">
@@ -28841,7 +28841,7 @@
           </p:nvSpPr>
           <p:spPr>
             <a:xfrm>
-              <a:off x="3057556" y="2265804"/>
+              <a:off x="3082935" y="2265804"/>
               <a:ext cx="70347" cy="70347"/>
             </a:xfrm>
             <a:prstGeom prst="ellipse">
@@ -28876,7 +28876,7 @@
           </p:nvSpPr>
           <p:spPr>
             <a:xfrm>
-              <a:off x="3065428" y="2265804"/>
+              <a:off x="3195014" y="2265804"/>
               <a:ext cx="70347" cy="70347"/>
             </a:xfrm>
             <a:prstGeom prst="ellipse">
@@ -28911,7 +28911,7 @@
           </p:nvSpPr>
           <p:spPr>
             <a:xfrm>
-              <a:off x="3142935" y="2265804"/>
+              <a:off x="3162740" y="2265804"/>
               <a:ext cx="70347" cy="70347"/>
             </a:xfrm>
             <a:prstGeom prst="ellipse">
@@ -28946,7 +28946,7 @@
           </p:nvSpPr>
           <p:spPr>
             <a:xfrm>
-              <a:off x="3455858" y="1717250"/>
+              <a:off x="3568616" y="1717250"/>
               <a:ext cx="70347" cy="70347"/>
             </a:xfrm>
             <a:prstGeom prst="ellipse">
@@ -28981,7 +28981,7 @@
           </p:nvSpPr>
           <p:spPr>
             <a:xfrm>
-              <a:off x="3435114" y="1671537"/>
+              <a:off x="3527430" y="1671537"/>
               <a:ext cx="70347" cy="70347"/>
             </a:xfrm>
             <a:prstGeom prst="ellipse">
@@ -29016,7 +29016,7 @@
           </p:nvSpPr>
           <p:spPr>
             <a:xfrm>
-              <a:off x="3507573" y="1671537"/>
+              <a:off x="3577991" y="1671537"/>
               <a:ext cx="70347" cy="70347"/>
             </a:xfrm>
             <a:prstGeom prst="ellipse">
@@ -29051,7 +29051,7 @@
           </p:nvSpPr>
           <p:spPr>
             <a:xfrm>
-              <a:off x="3434236" y="1762963"/>
+              <a:off x="3580916" y="1762963"/>
               <a:ext cx="70347" cy="70347"/>
             </a:xfrm>
             <a:prstGeom prst="ellipse">
@@ -29086,7 +29086,7 @@
           </p:nvSpPr>
           <p:spPr>
             <a:xfrm>
-              <a:off x="3555647" y="1671537"/>
+              <a:off x="3488816" y="1671537"/>
               <a:ext cx="70347" cy="70347"/>
             </a:xfrm>
             <a:prstGeom prst="ellipse">
@@ -29121,7 +29121,7 @@
           </p:nvSpPr>
           <p:spPr>
             <a:xfrm>
-              <a:off x="3546049" y="1762963"/>
+              <a:off x="3465054" y="1762963"/>
               <a:ext cx="70347" cy="70347"/>
             </a:xfrm>
             <a:prstGeom prst="ellipse">
@@ -29156,7 +29156,7 @@
           </p:nvSpPr>
           <p:spPr>
             <a:xfrm>
-              <a:off x="3552677" y="1625825"/>
+              <a:off x="3484006" y="1625825"/>
               <a:ext cx="70347" cy="70347"/>
             </a:xfrm>
             <a:prstGeom prst="ellipse">
@@ -29191,7 +29191,7 @@
           </p:nvSpPr>
           <p:spPr>
             <a:xfrm>
-              <a:off x="3526971" y="1900101"/>
+              <a:off x="3484379" y="1900101"/>
               <a:ext cx="70347" cy="70347"/>
             </a:xfrm>
             <a:prstGeom prst="ellipse">
@@ -29226,7 +29226,7 @@
           </p:nvSpPr>
           <p:spPr>
             <a:xfrm>
-              <a:off x="3471183" y="1762963"/>
+              <a:off x="3528176" y="1762963"/>
               <a:ext cx="70347" cy="70347"/>
             </a:xfrm>
             <a:prstGeom prst="ellipse">
@@ -29261,7 +29261,7 @@
           </p:nvSpPr>
           <p:spPr>
             <a:xfrm>
-              <a:off x="3495375" y="1717250"/>
+              <a:off x="3487086" y="1717250"/>
               <a:ext cx="70347" cy="70347"/>
             </a:xfrm>
             <a:prstGeom prst="ellipse">
@@ -29296,7 +29296,7 @@
           </p:nvSpPr>
           <p:spPr>
             <a:xfrm>
-              <a:off x="3435337" y="1900101"/>
+              <a:off x="3519969" y="1900101"/>
               <a:ext cx="70347" cy="70347"/>
             </a:xfrm>
             <a:prstGeom prst="ellipse">
@@ -29331,7 +29331,7 @@
           </p:nvSpPr>
           <p:spPr>
             <a:xfrm>
-              <a:off x="3531261" y="1671537"/>
+              <a:off x="3535376" y="1671537"/>
               <a:ext cx="70347" cy="70347"/>
             </a:xfrm>
             <a:prstGeom prst="ellipse">
@@ -29366,7 +29366,7 @@
           </p:nvSpPr>
           <p:spPr>
             <a:xfrm>
-              <a:off x="3535321" y="1900101"/>
+              <a:off x="3572836" y="1900101"/>
               <a:ext cx="70347" cy="70347"/>
             </a:xfrm>
             <a:prstGeom prst="ellipse">
@@ -29401,7 +29401,7 @@
           </p:nvSpPr>
           <p:spPr>
             <a:xfrm>
-              <a:off x="3458639" y="1717250"/>
+              <a:off x="3542813" y="1717250"/>
               <a:ext cx="70347" cy="70347"/>
             </a:xfrm>
             <a:prstGeom prst="ellipse">
@@ -29436,7 +29436,7 @@
           </p:nvSpPr>
           <p:spPr>
             <a:xfrm>
-              <a:off x="3517796" y="1762963"/>
+              <a:off x="3501846" y="1762963"/>
               <a:ext cx="70347" cy="70347"/>
             </a:xfrm>
             <a:prstGeom prst="ellipse">
@@ -29471,7 +29471,7 @@
           </p:nvSpPr>
           <p:spPr>
             <a:xfrm>
-              <a:off x="3482093" y="1717250"/>
+              <a:off x="3467924" y="1717250"/>
               <a:ext cx="70347" cy="70347"/>
             </a:xfrm>
             <a:prstGeom prst="ellipse">
@@ -29506,7 +29506,7 @@
           </p:nvSpPr>
           <p:spPr>
             <a:xfrm>
-              <a:off x="3490370" y="1671537"/>
+              <a:off x="3567545" y="1671537"/>
               <a:ext cx="70347" cy="70347"/>
             </a:xfrm>
             <a:prstGeom prst="ellipse">
@@ -29541,7 +29541,7 @@
           </p:nvSpPr>
           <p:spPr>
             <a:xfrm>
-              <a:off x="3524565" y="1900101"/>
+              <a:off x="3497661" y="1900101"/>
               <a:ext cx="70347" cy="70347"/>
             </a:xfrm>
             <a:prstGeom prst="ellipse">
@@ -29576,7 +29576,7 @@
           </p:nvSpPr>
           <p:spPr>
             <a:xfrm>
-              <a:off x="3454253" y="1671537"/>
+              <a:off x="3479751" y="1671537"/>
               <a:ext cx="70347" cy="70347"/>
             </a:xfrm>
             <a:prstGeom prst="ellipse">
@@ -29611,7 +29611,7 @@
           </p:nvSpPr>
           <p:spPr>
             <a:xfrm>
-              <a:off x="3494989" y="1854389"/>
+              <a:off x="3462993" y="1854389"/>
               <a:ext cx="70347" cy="70347"/>
             </a:xfrm>
             <a:prstGeom prst="ellipse">
@@ -29646,7 +29646,7 @@
           </p:nvSpPr>
           <p:spPr>
             <a:xfrm>
-              <a:off x="3461969" y="1534399"/>
+              <a:off x="3537209" y="1534399"/>
               <a:ext cx="70347" cy="70347"/>
             </a:xfrm>
             <a:prstGeom prst="ellipse">
@@ -29681,7 +29681,7 @@
           </p:nvSpPr>
           <p:spPr>
             <a:xfrm>
-              <a:off x="3510514" y="1762963"/>
+              <a:off x="3497498" y="1762963"/>
               <a:ext cx="70347" cy="70347"/>
             </a:xfrm>
             <a:prstGeom prst="ellipse">
@@ -29716,7 +29716,7 @@
           </p:nvSpPr>
           <p:spPr>
             <a:xfrm>
-              <a:off x="3485131" y="1671537"/>
+              <a:off x="3518631" y="1671537"/>
               <a:ext cx="70347" cy="70347"/>
             </a:xfrm>
             <a:prstGeom prst="ellipse">
@@ -29751,7 +29751,7 @@
           </p:nvSpPr>
           <p:spPr>
             <a:xfrm>
-              <a:off x="3556560" y="1808676"/>
+              <a:off x="3547834" y="1808676"/>
               <a:ext cx="70347" cy="70347"/>
             </a:xfrm>
             <a:prstGeom prst="ellipse">
@@ -29786,7 +29786,7 @@
           </p:nvSpPr>
           <p:spPr>
             <a:xfrm>
-              <a:off x="3431661" y="1762963"/>
+              <a:off x="3552548" y="1762963"/>
               <a:ext cx="70347" cy="70347"/>
             </a:xfrm>
             <a:prstGeom prst="ellipse">
@@ -29821,7 +29821,7 @@
           </p:nvSpPr>
           <p:spPr>
             <a:xfrm>
-              <a:off x="3514087" y="1717250"/>
+              <a:off x="3456094" y="1717250"/>
               <a:ext cx="70347" cy="70347"/>
             </a:xfrm>
             <a:prstGeom prst="ellipse">
@@ -29856,7 +29856,7 @@
           </p:nvSpPr>
           <p:spPr>
             <a:xfrm>
-              <a:off x="3438552" y="1717250"/>
+              <a:off x="3562848" y="1717250"/>
               <a:ext cx="70347" cy="70347"/>
             </a:xfrm>
             <a:prstGeom prst="ellipse">
@@ -29891,7 +29891,7 @@
           </p:nvSpPr>
           <p:spPr>
             <a:xfrm>
-              <a:off x="3511543" y="1580112"/>
+              <a:off x="3459560" y="1580112"/>
               <a:ext cx="70347" cy="70347"/>
             </a:xfrm>
             <a:prstGeom prst="ellipse">
@@ -29926,7 +29926,7 @@
           </p:nvSpPr>
           <p:spPr>
             <a:xfrm>
-              <a:off x="3496490" y="1671537"/>
+              <a:off x="3570124" y="1671537"/>
               <a:ext cx="70347" cy="70347"/>
             </a:xfrm>
             <a:prstGeom prst="ellipse">
@@ -29961,7 +29961,7 @@
           </p:nvSpPr>
           <p:spPr>
             <a:xfrm>
-              <a:off x="3446784" y="1900101"/>
+              <a:off x="3490345" y="1900101"/>
               <a:ext cx="70347" cy="70347"/>
             </a:xfrm>
             <a:prstGeom prst="ellipse">
@@ -29996,7 +29996,7 @@
           </p:nvSpPr>
           <p:spPr>
             <a:xfrm>
-              <a:off x="3444346" y="1854389"/>
+              <a:off x="3500707" y="1854389"/>
               <a:ext cx="70347" cy="70347"/>
             </a:xfrm>
             <a:prstGeom prst="ellipse">
@@ -30031,7 +30031,7 @@
           </p:nvSpPr>
           <p:spPr>
             <a:xfrm>
-              <a:off x="3482137" y="1900101"/>
+              <a:off x="3462304" y="1900101"/>
               <a:ext cx="70347" cy="70347"/>
             </a:xfrm>
             <a:prstGeom prst="ellipse">
@@ -30066,7 +30066,7 @@
           </p:nvSpPr>
           <p:spPr>
             <a:xfrm>
-              <a:off x="3570405" y="1808676"/>
+              <a:off x="3463451" y="1808676"/>
               <a:ext cx="70347" cy="70347"/>
             </a:xfrm>
             <a:prstGeom prst="ellipse">
@@ -30101,7 +30101,7 @@
           </p:nvSpPr>
           <p:spPr>
             <a:xfrm>
-              <a:off x="3471084" y="1625825"/>
+              <a:off x="3579939" y="1625825"/>
               <a:ext cx="70347" cy="70347"/>
             </a:xfrm>
             <a:prstGeom prst="ellipse">
@@ -30136,7 +30136,7 @@
           </p:nvSpPr>
           <p:spPr>
             <a:xfrm>
-              <a:off x="3528839" y="1671537"/>
+              <a:off x="3530993" y="1671537"/>
               <a:ext cx="70347" cy="70347"/>
             </a:xfrm>
             <a:prstGeom prst="ellipse">
@@ -30171,7 +30171,7 @@
           </p:nvSpPr>
           <p:spPr>
             <a:xfrm>
-              <a:off x="3462780" y="1625825"/>
+              <a:off x="3467910" y="1625825"/>
               <a:ext cx="70347" cy="70347"/>
             </a:xfrm>
             <a:prstGeom prst="ellipse">
@@ -30206,7 +30206,7 @@
           </p:nvSpPr>
           <p:spPr>
             <a:xfrm>
-              <a:off x="3474066" y="1671537"/>
+              <a:off x="3503663" y="1671537"/>
               <a:ext cx="70347" cy="70347"/>
             </a:xfrm>
             <a:prstGeom prst="ellipse">
@@ -30241,7 +30241,7 @@
           </p:nvSpPr>
           <p:spPr>
             <a:xfrm>
-              <a:off x="3556454" y="1762963"/>
+              <a:off x="3460924" y="1762963"/>
               <a:ext cx="70347" cy="70347"/>
             </a:xfrm>
             <a:prstGeom prst="ellipse">
@@ -30276,7 +30276,7 @@
           </p:nvSpPr>
           <p:spPr>
             <a:xfrm>
-              <a:off x="3557655" y="1762963"/>
+              <a:off x="3541089" y="1762963"/>
               <a:ext cx="70347" cy="70347"/>
             </a:xfrm>
             <a:prstGeom prst="ellipse">
@@ -30311,7 +30311,7 @@
           </p:nvSpPr>
           <p:spPr>
             <a:xfrm>
-              <a:off x="3579462" y="1762963"/>
+              <a:off x="3544569" y="1762963"/>
               <a:ext cx="70347" cy="70347"/>
             </a:xfrm>
             <a:prstGeom prst="ellipse">
@@ -30346,7 +30346,7 @@
           </p:nvSpPr>
           <p:spPr>
             <a:xfrm>
-              <a:off x="3534183" y="1808676"/>
+              <a:off x="3439202" y="1808676"/>
               <a:ext cx="70347" cy="70347"/>
             </a:xfrm>
             <a:prstGeom prst="ellipse">
@@ -30381,7 +30381,7 @@
           </p:nvSpPr>
           <p:spPr>
             <a:xfrm>
-              <a:off x="3455296" y="1717250"/>
+              <a:off x="3479315" y="1717250"/>
               <a:ext cx="70347" cy="70347"/>
             </a:xfrm>
             <a:prstGeom prst="ellipse">
@@ -30416,7 +30416,7 @@
           </p:nvSpPr>
           <p:spPr>
             <a:xfrm>
-              <a:off x="3554778" y="1808676"/>
+              <a:off x="3562008" y="1808676"/>
               <a:ext cx="70347" cy="70347"/>
             </a:xfrm>
             <a:prstGeom prst="ellipse">
@@ -30451,7 +30451,7 @@
           </p:nvSpPr>
           <p:spPr>
             <a:xfrm>
-              <a:off x="3530579" y="1900101"/>
+              <a:off x="3516023" y="1900101"/>
               <a:ext cx="70347" cy="70347"/>
             </a:xfrm>
             <a:prstGeom prst="ellipse">
@@ -30486,7 +30486,7 @@
           </p:nvSpPr>
           <p:spPr>
             <a:xfrm>
-              <a:off x="3557883" y="1762963"/>
+              <a:off x="3478699" y="1762963"/>
               <a:ext cx="70347" cy="70347"/>
             </a:xfrm>
             <a:prstGeom prst="ellipse">
@@ -30521,7 +30521,7 @@
           </p:nvSpPr>
           <p:spPr>
             <a:xfrm>
-              <a:off x="3439332" y="1808676"/>
+              <a:off x="3570104" y="1808676"/>
               <a:ext cx="70347" cy="70347"/>
             </a:xfrm>
             <a:prstGeom prst="ellipse">
@@ -30556,7 +30556,7 @@
           </p:nvSpPr>
           <p:spPr>
             <a:xfrm>
-              <a:off x="3523633" y="1762963"/>
+              <a:off x="3437906" y="1762963"/>
               <a:ext cx="70347" cy="70347"/>
             </a:xfrm>
             <a:prstGeom prst="ellipse">
@@ -30591,7 +30591,7 @@
           </p:nvSpPr>
           <p:spPr>
             <a:xfrm>
-              <a:off x="3534807" y="1762963"/>
+              <a:off x="3474586" y="1762963"/>
               <a:ext cx="70347" cy="70347"/>
             </a:xfrm>
             <a:prstGeom prst="ellipse">
@@ -30626,7 +30626,7 @@
           </p:nvSpPr>
           <p:spPr>
             <a:xfrm>
-              <a:off x="3479989" y="1854389"/>
+              <a:off x="3523143" y="1854389"/>
               <a:ext cx="70347" cy="70347"/>
             </a:xfrm>
             <a:prstGeom prst="ellipse">
@@ -30661,7 +30661,7 @@
           </p:nvSpPr>
           <p:spPr>
             <a:xfrm>
-              <a:off x="3580368" y="1762963"/>
+              <a:off x="3536190" y="1762963"/>
               <a:ext cx="70347" cy="70347"/>
             </a:xfrm>
             <a:prstGeom prst="ellipse">
@@ -30696,7 +30696,7 @@
           </p:nvSpPr>
           <p:spPr>
             <a:xfrm>
-              <a:off x="3851214" y="1214410"/>
+              <a:off x="3849524" y="1214410"/>
               <a:ext cx="70347" cy="70347"/>
             </a:xfrm>
             <a:prstGeom prst="ellipse">
@@ -30731,7 +30731,7 @@
           </p:nvSpPr>
           <p:spPr>
             <a:xfrm>
-              <a:off x="3888142" y="1488686"/>
+              <a:off x="3874168" y="1488686"/>
               <a:ext cx="70347" cy="70347"/>
             </a:xfrm>
             <a:prstGeom prst="ellipse">
@@ -30766,7 +30766,7 @@
           </p:nvSpPr>
           <p:spPr>
             <a:xfrm>
-              <a:off x="3901855" y="1397261"/>
+              <a:off x="3887093" y="1397261"/>
               <a:ext cx="70347" cy="70347"/>
             </a:xfrm>
             <a:prstGeom prst="ellipse">
@@ -30801,7 +30801,7 @@
           </p:nvSpPr>
           <p:spPr>
             <a:xfrm>
-              <a:off x="3938081" y="1534399"/>
+              <a:off x="3854088" y="1534399"/>
               <a:ext cx="70347" cy="70347"/>
             </a:xfrm>
             <a:prstGeom prst="ellipse">
@@ -30836,7 +30836,7 @@
           </p:nvSpPr>
           <p:spPr>
             <a:xfrm>
-              <a:off x="3890419" y="1351548"/>
+              <a:off x="3897366" y="1351548"/>
               <a:ext cx="70347" cy="70347"/>
             </a:xfrm>
             <a:prstGeom prst="ellipse">
@@ -30871,7 +30871,7 @@
           </p:nvSpPr>
           <p:spPr>
             <a:xfrm>
-              <a:off x="3920056" y="1397261"/>
+              <a:off x="3942852" y="1397261"/>
               <a:ext cx="70347" cy="70347"/>
             </a:xfrm>
             <a:prstGeom prst="ellipse">
@@ -30906,7 +30906,7 @@
           </p:nvSpPr>
           <p:spPr>
             <a:xfrm>
-              <a:off x="3848557" y="1580112"/>
+              <a:off x="3957232" y="1580112"/>
               <a:ext cx="70347" cy="70347"/>
             </a:xfrm>
             <a:prstGeom prst="ellipse">
@@ -30941,7 +30941,7 @@
           </p:nvSpPr>
           <p:spPr>
             <a:xfrm>
-              <a:off x="3867808" y="1534399"/>
+              <a:off x="3948931" y="1534399"/>
               <a:ext cx="70347" cy="70347"/>
             </a:xfrm>
             <a:prstGeom prst="ellipse">
@@ -30976,7 +30976,7 @@
           </p:nvSpPr>
           <p:spPr>
             <a:xfrm>
-              <a:off x="3922783" y="1534399"/>
+              <a:off x="3822272" y="1534399"/>
               <a:ext cx="70347" cy="70347"/>
             </a:xfrm>
             <a:prstGeom prst="ellipse">
@@ -31011,7 +31011,7 @@
           </p:nvSpPr>
           <p:spPr>
             <a:xfrm>
-              <a:off x="3932127" y="1214410"/>
+              <a:off x="3853529" y="1214410"/>
               <a:ext cx="70347" cy="70347"/>
             </a:xfrm>
             <a:prstGeom prst="ellipse">
@@ -31046,7 +31046,7 @@
           </p:nvSpPr>
           <p:spPr>
             <a:xfrm>
-              <a:off x="3875895" y="1442974"/>
+              <a:off x="3850054" y="1442974"/>
               <a:ext cx="70347" cy="70347"/>
             </a:xfrm>
             <a:prstGeom prst="ellipse">
@@ -31081,7 +31081,7 @@
           </p:nvSpPr>
           <p:spPr>
             <a:xfrm>
-              <a:off x="3921433" y="1488686"/>
+              <a:off x="3830435" y="1488686"/>
               <a:ext cx="70347" cy="70347"/>
             </a:xfrm>
             <a:prstGeom prst="ellipse">
@@ -31116,7 +31116,7 @@
           </p:nvSpPr>
           <p:spPr>
             <a:xfrm>
-              <a:off x="3940452" y="1397261"/>
+              <a:off x="3839354" y="1397261"/>
               <a:ext cx="70347" cy="70347"/>
             </a:xfrm>
             <a:prstGeom prst="ellipse">
@@ -31151,7 +31151,7 @@
           </p:nvSpPr>
           <p:spPr>
             <a:xfrm>
-              <a:off x="3825528" y="1442974"/>
+              <a:off x="3917591" y="1442974"/>
               <a:ext cx="70347" cy="70347"/>
             </a:xfrm>
             <a:prstGeom prst="ellipse">
@@ -31186,7 +31186,7 @@
           </p:nvSpPr>
           <p:spPr>
             <a:xfrm>
-              <a:off x="3877098" y="1260122"/>
+              <a:off x="3947586" y="1260122"/>
               <a:ext cx="70347" cy="70347"/>
             </a:xfrm>
             <a:prstGeom prst="ellipse">
@@ -31221,7 +31221,7 @@
           </p:nvSpPr>
           <p:spPr>
             <a:xfrm>
-              <a:off x="3907506" y="1305835"/>
+              <a:off x="3862256" y="1305835"/>
               <a:ext cx="70347" cy="70347"/>
             </a:xfrm>
             <a:prstGeom prst="ellipse">
@@ -31256,7 +31256,7 @@
           </p:nvSpPr>
           <p:spPr>
             <a:xfrm>
-              <a:off x="3889787" y="1534399"/>
+              <a:off x="3874877" y="1534399"/>
               <a:ext cx="70347" cy="70347"/>
             </a:xfrm>
             <a:prstGeom prst="ellipse">
@@ -31291,7 +31291,7 @@
           </p:nvSpPr>
           <p:spPr>
             <a:xfrm>
-              <a:off x="3846000" y="1351548"/>
+              <a:off x="3934613" y="1351548"/>
               <a:ext cx="70347" cy="70347"/>
             </a:xfrm>
             <a:prstGeom prst="ellipse">
@@ -31326,7 +31326,7 @@
           </p:nvSpPr>
           <p:spPr>
             <a:xfrm>
-              <a:off x="3815054" y="1305835"/>
+              <a:off x="3920836" y="1305835"/>
               <a:ext cx="70347" cy="70347"/>
             </a:xfrm>
             <a:prstGeom prst="ellipse">
@@ -31361,7 +31361,7 @@
           </p:nvSpPr>
           <p:spPr>
             <a:xfrm>
-              <a:off x="3936573" y="1671537"/>
+              <a:off x="3911972" y="1671537"/>
               <a:ext cx="70347" cy="70347"/>
             </a:xfrm>
             <a:prstGeom prst="ellipse">
@@ -31396,7 +31396,7 @@
           </p:nvSpPr>
           <p:spPr>
             <a:xfrm>
-              <a:off x="3869873" y="1305835"/>
+              <a:off x="3955863" y="1305835"/>
               <a:ext cx="70347" cy="70347"/>
             </a:xfrm>
             <a:prstGeom prst="ellipse">
@@ -31431,7 +31431,7 @@
           </p:nvSpPr>
           <p:spPr>
             <a:xfrm>
-              <a:off x="3955698" y="1442974"/>
+              <a:off x="3831118" y="1442974"/>
               <a:ext cx="70347" cy="70347"/>
             </a:xfrm>
             <a:prstGeom prst="ellipse">
@@ -31466,7 +31466,7 @@
           </p:nvSpPr>
           <p:spPr>
             <a:xfrm>
-              <a:off x="3849912" y="1442974"/>
+              <a:off x="3924601" y="1442974"/>
               <a:ext cx="70347" cy="70347"/>
             </a:xfrm>
             <a:prstGeom prst="ellipse">
@@ -31501,7 +31501,7 @@
           </p:nvSpPr>
           <p:spPr>
             <a:xfrm>
-              <a:off x="3929360" y="1534399"/>
+              <a:off x="3961458" y="1534399"/>
               <a:ext cx="70347" cy="70347"/>
             </a:xfrm>
             <a:prstGeom prst="ellipse">
@@ -31536,7 +31536,7 @@
           </p:nvSpPr>
           <p:spPr>
             <a:xfrm>
-              <a:off x="3918000" y="1397261"/>
+              <a:off x="3957917" y="1397261"/>
               <a:ext cx="70347" cy="70347"/>
             </a:xfrm>
             <a:prstGeom prst="ellipse">
@@ -31571,7 +31571,7 @@
           </p:nvSpPr>
           <p:spPr>
             <a:xfrm>
-              <a:off x="3955859" y="1534399"/>
+              <a:off x="3853043" y="1534399"/>
               <a:ext cx="70347" cy="70347"/>
             </a:xfrm>
             <a:prstGeom prst="ellipse">
@@ -31606,7 +31606,7 @@
           </p:nvSpPr>
           <p:spPr>
             <a:xfrm>
-              <a:off x="3863110" y="1534399"/>
+              <a:off x="3812903" y="1534399"/>
               <a:ext cx="70347" cy="70347"/>
             </a:xfrm>
             <a:prstGeom prst="ellipse">
@@ -31641,7 +31641,7 @@
           </p:nvSpPr>
           <p:spPr>
             <a:xfrm>
-              <a:off x="3953208" y="1534399"/>
+              <a:off x="3849614" y="1534399"/>
               <a:ext cx="70347" cy="70347"/>
             </a:xfrm>
             <a:prstGeom prst="ellipse">
@@ -31676,7 +31676,7 @@
           </p:nvSpPr>
           <p:spPr>
             <a:xfrm>
-              <a:off x="3821170" y="1397261"/>
+              <a:off x="3919659" y="1397261"/>
               <a:ext cx="70347" cy="70347"/>
             </a:xfrm>
             <a:prstGeom prst="ellipse">
@@ -31711,7 +31711,7 @@
           </p:nvSpPr>
           <p:spPr>
             <a:xfrm>
-              <a:off x="3928875" y="1625825"/>
+              <a:off x="3834368" y="1625825"/>
               <a:ext cx="70347" cy="70347"/>
             </a:xfrm>
             <a:prstGeom prst="ellipse">
@@ -31746,7 +31746,7 @@
           </p:nvSpPr>
           <p:spPr>
             <a:xfrm>
-              <a:off x="3869284" y="1488686"/>
+              <a:off x="3890792" y="1488686"/>
               <a:ext cx="70347" cy="70347"/>
             </a:xfrm>
             <a:prstGeom prst="ellipse">
@@ -31781,7 +31781,7 @@
           </p:nvSpPr>
           <p:spPr>
             <a:xfrm>
-              <a:off x="3848137" y="1442974"/>
+              <a:off x="3876253" y="1442974"/>
               <a:ext cx="70347" cy="70347"/>
             </a:xfrm>
             <a:prstGeom prst="ellipse">
@@ -31816,7 +31816,7 @@
           </p:nvSpPr>
           <p:spPr>
             <a:xfrm>
-              <a:off x="3917095" y="1351548"/>
+              <a:off x="3850152" y="1351548"/>
               <a:ext cx="70347" cy="70347"/>
             </a:xfrm>
             <a:prstGeom prst="ellipse">
@@ -31851,7 +31851,7 @@
           </p:nvSpPr>
           <p:spPr>
             <a:xfrm>
-              <a:off x="3949310" y="1671537"/>
+              <a:off x="3848306" y="1671537"/>
               <a:ext cx="70347" cy="70347"/>
             </a:xfrm>
             <a:prstGeom prst="ellipse">
@@ -31886,7 +31886,7 @@
           </p:nvSpPr>
           <p:spPr>
             <a:xfrm>
-              <a:off x="3879189" y="1717250"/>
+              <a:off x="3905051" y="1717250"/>
               <a:ext cx="70347" cy="70347"/>
             </a:xfrm>
             <a:prstGeom prst="ellipse">
@@ -31921,7 +31921,7 @@
           </p:nvSpPr>
           <p:spPr>
             <a:xfrm>
-              <a:off x="3837617" y="1305835"/>
+              <a:off x="3861088" y="1305835"/>
               <a:ext cx="70347" cy="70347"/>
             </a:xfrm>
             <a:prstGeom prst="ellipse">
@@ -31956,7 +31956,7 @@
           </p:nvSpPr>
           <p:spPr>
             <a:xfrm>
-              <a:off x="3878051" y="1260122"/>
+              <a:off x="3874725" y="1260122"/>
               <a:ext cx="70347" cy="70347"/>
             </a:xfrm>
             <a:prstGeom prst="ellipse">
@@ -31991,7 +31991,7 @@
           </p:nvSpPr>
           <p:spPr>
             <a:xfrm>
-              <a:off x="3882708" y="1534399"/>
+              <a:off x="3885875" y="1534399"/>
               <a:ext cx="70347" cy="70347"/>
             </a:xfrm>
             <a:prstGeom prst="ellipse">
@@ -32026,7 +32026,7 @@
           </p:nvSpPr>
           <p:spPr>
             <a:xfrm>
-              <a:off x="3927299" y="1534399"/>
+              <a:off x="3824077" y="1534399"/>
               <a:ext cx="70347" cy="70347"/>
             </a:xfrm>
             <a:prstGeom prst="ellipse">
@@ -32061,7 +32061,7 @@
           </p:nvSpPr>
           <p:spPr>
             <a:xfrm>
-              <a:off x="3920766" y="1397261"/>
+              <a:off x="3919701" y="1397261"/>
               <a:ext cx="70347" cy="70347"/>
             </a:xfrm>
             <a:prstGeom prst="ellipse">
@@ -32096,7 +32096,7 @@
           </p:nvSpPr>
           <p:spPr>
             <a:xfrm>
-              <a:off x="3959906" y="1260122"/>
+              <a:off x="3874178" y="1260122"/>
               <a:ext cx="70347" cy="70347"/>
             </a:xfrm>
             <a:prstGeom prst="ellipse">
@@ -32131,7 +32131,7 @@
           </p:nvSpPr>
           <p:spPr>
             <a:xfrm>
-              <a:off x="3927572" y="1305835"/>
+              <a:off x="3942388" y="1305835"/>
               <a:ext cx="70347" cy="70347"/>
             </a:xfrm>
             <a:prstGeom prst="ellipse">
@@ -32166,7 +32166,7 @@
           </p:nvSpPr>
           <p:spPr>
             <a:xfrm>
-              <a:off x="3883584" y="1488686"/>
+              <a:off x="3843022" y="1488686"/>
               <a:ext cx="70347" cy="70347"/>
             </a:xfrm>
             <a:prstGeom prst="ellipse">
@@ -32201,7 +32201,7 @@
           </p:nvSpPr>
           <p:spPr>
             <a:xfrm>
-              <a:off x="3854900" y="1305835"/>
+              <a:off x="3818596" y="1305835"/>
               <a:ext cx="70347" cy="70347"/>
             </a:xfrm>
             <a:prstGeom prst="ellipse">
@@ -32236,7 +32236,7 @@
           </p:nvSpPr>
           <p:spPr>
             <a:xfrm>
-              <a:off x="3874046" y="1214410"/>
+              <a:off x="3949171" y="1214410"/>
               <a:ext cx="70347" cy="70347"/>
             </a:xfrm>
             <a:prstGeom prst="ellipse">
@@ -32271,7 +32271,7 @@
           </p:nvSpPr>
           <p:spPr>
             <a:xfrm>
-              <a:off x="3817135" y="1305835"/>
+              <a:off x="3872936" y="1305835"/>
               <a:ext cx="70347" cy="70347"/>
             </a:xfrm>
             <a:prstGeom prst="ellipse">
@@ -32306,7 +32306,7 @@
           </p:nvSpPr>
           <p:spPr>
             <a:xfrm>
-              <a:off x="3861399" y="1488686"/>
+              <a:off x="3927513" y="1488686"/>
               <a:ext cx="70347" cy="70347"/>
             </a:xfrm>
             <a:prstGeom prst="ellipse">
@@ -32341,7 +32341,7 @@
           </p:nvSpPr>
           <p:spPr>
             <a:xfrm>
-              <a:off x="3901317" y="1442974"/>
+              <a:off x="3811992" y="1442974"/>
               <a:ext cx="70347" cy="70347"/>
             </a:xfrm>
             <a:prstGeom prst="ellipse">
@@ -32376,7 +32376,7 @@
           </p:nvSpPr>
           <p:spPr>
             <a:xfrm>
-              <a:off x="3934347" y="1305835"/>
+              <a:off x="3852637" y="1305835"/>
               <a:ext cx="70347" cy="70347"/>
             </a:xfrm>
             <a:prstGeom prst="ellipse">
@@ -32411,7 +32411,7 @@
           </p:nvSpPr>
           <p:spPr>
             <a:xfrm>
-              <a:off x="3934156" y="1534399"/>
+              <a:off x="3913262" y="1534399"/>
               <a:ext cx="70347" cy="70347"/>
             </a:xfrm>
             <a:prstGeom prst="ellipse">
@@ -33435,7 +33435,7 @@
           </p:nvSpPr>
           <p:spPr>
             <a:xfrm>
-              <a:off x="4523431" y="2067715"/>
+              <a:off x="4514776" y="2067715"/>
               <a:ext cx="70347" cy="70347"/>
             </a:xfrm>
             <a:prstGeom prst="ellipse">
@@ -33470,7 +33470,7 @@
           </p:nvSpPr>
           <p:spPr>
             <a:xfrm>
-              <a:off x="4569256" y="2128665"/>
+              <a:off x="4583130" y="2128665"/>
               <a:ext cx="70347" cy="70347"/>
             </a:xfrm>
             <a:prstGeom prst="ellipse">
@@ -33505,7 +33505,7 @@
           </p:nvSpPr>
           <p:spPr>
             <a:xfrm>
-              <a:off x="4567819" y="2189616"/>
+              <a:off x="4495438" y="2189616"/>
               <a:ext cx="70347" cy="70347"/>
             </a:xfrm>
             <a:prstGeom prst="ellipse">
@@ -33540,7 +33540,7 @@
           </p:nvSpPr>
           <p:spPr>
             <a:xfrm>
-              <a:off x="4527907" y="2220091"/>
+              <a:off x="4561382" y="2220091"/>
               <a:ext cx="70347" cy="70347"/>
             </a:xfrm>
             <a:prstGeom prst="ellipse">
@@ -33575,7 +33575,7 @@
           </p:nvSpPr>
           <p:spPr>
             <a:xfrm>
-              <a:off x="4527667" y="2098190"/>
+              <a:off x="4578958" y="2098190"/>
               <a:ext cx="70347" cy="70347"/>
             </a:xfrm>
             <a:prstGeom prst="ellipse">
@@ -33610,7 +33610,7 @@
           </p:nvSpPr>
           <p:spPr>
             <a:xfrm>
-              <a:off x="4602421" y="1976289"/>
+              <a:off x="4479633" y="1976289"/>
               <a:ext cx="70347" cy="70347"/>
             </a:xfrm>
             <a:prstGeom prst="ellipse">
@@ -33645,7 +33645,7 @@
           </p:nvSpPr>
           <p:spPr>
             <a:xfrm>
-              <a:off x="4491087" y="2220091"/>
+              <a:off x="4565006" y="2220091"/>
               <a:ext cx="70347" cy="70347"/>
             </a:xfrm>
             <a:prstGeom prst="ellipse">
@@ -33680,7 +33680,7 @@
           </p:nvSpPr>
           <p:spPr>
             <a:xfrm>
-              <a:off x="4585227" y="2098190"/>
+              <a:off x="4538275" y="2098190"/>
               <a:ext cx="70347" cy="70347"/>
             </a:xfrm>
             <a:prstGeom prst="ellipse">
@@ -33715,7 +33715,7 @@
           </p:nvSpPr>
           <p:spPr>
             <a:xfrm>
-              <a:off x="4600557" y="2281041"/>
+              <a:off x="4520340" y="2281041"/>
               <a:ext cx="70347" cy="70347"/>
             </a:xfrm>
             <a:prstGeom prst="ellipse">
@@ -33750,7 +33750,7 @@
           </p:nvSpPr>
           <p:spPr>
             <a:xfrm>
-              <a:off x="4535708" y="2128665"/>
+              <a:off x="4530427" y="2128665"/>
               <a:ext cx="70347" cy="70347"/>
             </a:xfrm>
             <a:prstGeom prst="ellipse">
@@ -33785,7 +33785,7 @@
           </p:nvSpPr>
           <p:spPr>
             <a:xfrm>
-              <a:off x="4542929" y="1976289"/>
+              <a:off x="4535639" y="1976289"/>
               <a:ext cx="70347" cy="70347"/>
             </a:xfrm>
             <a:prstGeom prst="ellipse">
@@ -33820,7 +33820,7 @@
           </p:nvSpPr>
           <p:spPr>
             <a:xfrm>
-              <a:off x="4491489" y="2159141"/>
+              <a:off x="4547499" y="2159141"/>
               <a:ext cx="70347" cy="70347"/>
             </a:xfrm>
             <a:prstGeom prst="ellipse">
@@ -33855,7 +33855,7 @@
           </p:nvSpPr>
           <p:spPr>
             <a:xfrm>
-              <a:off x="4582330" y="2159141"/>
+              <a:off x="4615551" y="2159141"/>
               <a:ext cx="70347" cy="70347"/>
             </a:xfrm>
             <a:prstGeom prst="ellipse">
@@ -33890,7 +33890,7 @@
           </p:nvSpPr>
           <p:spPr>
             <a:xfrm>
-              <a:off x="4514941" y="2311516"/>
+              <a:off x="4540081" y="2311516"/>
               <a:ext cx="70347" cy="70347"/>
             </a:xfrm>
             <a:prstGeom prst="ellipse">
@@ -33925,7 +33925,7 @@
           </p:nvSpPr>
           <p:spPr>
             <a:xfrm>
-              <a:off x="4613761" y="1854389"/>
+              <a:off x="4570300" y="1854389"/>
               <a:ext cx="70347" cy="70347"/>
             </a:xfrm>
             <a:prstGeom prst="ellipse">
@@ -33960,7 +33960,7 @@
           </p:nvSpPr>
           <p:spPr>
             <a:xfrm>
-              <a:off x="4596947" y="1884864"/>
+              <a:off x="4514287" y="1884864"/>
               <a:ext cx="70347" cy="70347"/>
             </a:xfrm>
             <a:prstGeom prst="ellipse">
@@ -33995,7 +33995,7 @@
           </p:nvSpPr>
           <p:spPr>
             <a:xfrm>
-              <a:off x="4591801" y="1976289"/>
+              <a:off x="4572568" y="1976289"/>
               <a:ext cx="70347" cy="70347"/>
             </a:xfrm>
             <a:prstGeom prst="ellipse">
@@ -34030,7 +34030,7 @@
           </p:nvSpPr>
           <p:spPr>
             <a:xfrm>
-              <a:off x="4560370" y="2067715"/>
+              <a:off x="4581388" y="2067715"/>
               <a:ext cx="70347" cy="70347"/>
             </a:xfrm>
             <a:prstGeom prst="ellipse">
@@ -34065,7 +34065,7 @@
           </p:nvSpPr>
           <p:spPr>
             <a:xfrm>
-              <a:off x="4584341" y="1884864"/>
+              <a:off x="4614372" y="1884864"/>
               <a:ext cx="70347" cy="70347"/>
             </a:xfrm>
             <a:prstGeom prst="ellipse">
@@ -34100,7 +34100,7 @@
           </p:nvSpPr>
           <p:spPr>
             <a:xfrm>
-              <a:off x="4513059" y="2067715"/>
+              <a:off x="4520022" y="2067715"/>
               <a:ext cx="70347" cy="70347"/>
             </a:xfrm>
             <a:prstGeom prst="ellipse">
@@ -34135,7 +34135,7 @@
           </p:nvSpPr>
           <p:spPr>
             <a:xfrm>
-              <a:off x="4549862" y="1976289"/>
+              <a:off x="4574987" y="1976289"/>
               <a:ext cx="70347" cy="70347"/>
             </a:xfrm>
             <a:prstGeom prst="ellipse">
@@ -34170,7 +34170,7 @@
           </p:nvSpPr>
           <p:spPr>
             <a:xfrm>
-              <a:off x="4488970" y="2067715"/>
+              <a:off x="4557787" y="2067715"/>
               <a:ext cx="70347" cy="70347"/>
             </a:xfrm>
             <a:prstGeom prst="ellipse">
@@ -34205,7 +34205,7 @@
           </p:nvSpPr>
           <p:spPr>
             <a:xfrm>
-              <a:off x="4517324" y="2220091"/>
+              <a:off x="4472435" y="2220091"/>
               <a:ext cx="70347" cy="70347"/>
             </a:xfrm>
             <a:prstGeom prst="ellipse">
@@ -34240,7 +34240,7 @@
           </p:nvSpPr>
           <p:spPr>
             <a:xfrm>
-              <a:off x="4608108" y="2067715"/>
+              <a:off x="4490732" y="2067715"/>
               <a:ext cx="70347" cy="70347"/>
             </a:xfrm>
             <a:prstGeom prst="ellipse">
@@ -34275,7 +34275,7 @@
           </p:nvSpPr>
           <p:spPr>
             <a:xfrm>
-              <a:off x="4552006" y="2159141"/>
+              <a:off x="4603595" y="2159141"/>
               <a:ext cx="70347" cy="70347"/>
             </a:xfrm>
             <a:prstGeom prst="ellipse">
@@ -34310,7 +34310,7 @@
           </p:nvSpPr>
           <p:spPr>
             <a:xfrm>
-              <a:off x="4579891" y="2098190"/>
+              <a:off x="4556000" y="2098190"/>
               <a:ext cx="70347" cy="70347"/>
             </a:xfrm>
             <a:prstGeom prst="ellipse">
@@ -34345,7 +34345,7 @@
           </p:nvSpPr>
           <p:spPr>
             <a:xfrm>
-              <a:off x="4548301" y="2098190"/>
+              <a:off x="4569951" y="2098190"/>
               <a:ext cx="70347" cy="70347"/>
             </a:xfrm>
             <a:prstGeom prst="ellipse">
@@ -34380,7 +34380,7 @@
           </p:nvSpPr>
           <p:spPr>
             <a:xfrm>
-              <a:off x="4485908" y="2037240"/>
+              <a:off x="4510432" y="2037240"/>
               <a:ext cx="70347" cy="70347"/>
             </a:xfrm>
             <a:prstGeom prst="ellipse">
@@ -34415,7 +34415,7 @@
           </p:nvSpPr>
           <p:spPr>
             <a:xfrm>
-              <a:off x="4503479" y="2037240"/>
+              <a:off x="4597367" y="2037240"/>
               <a:ext cx="70347" cy="70347"/>
             </a:xfrm>
             <a:prstGeom prst="ellipse">
@@ -34450,7 +34450,7 @@
           </p:nvSpPr>
           <p:spPr>
             <a:xfrm>
-              <a:off x="4561315" y="2189616"/>
+              <a:off x="4476223" y="2189616"/>
               <a:ext cx="70347" cy="70347"/>
             </a:xfrm>
             <a:prstGeom prst="ellipse">
@@ -34485,7 +34485,7 @@
           </p:nvSpPr>
           <p:spPr>
             <a:xfrm>
-              <a:off x="4477471" y="2159141"/>
+              <a:off x="4567656" y="2159141"/>
               <a:ext cx="70347" cy="70347"/>
             </a:xfrm>
             <a:prstGeom prst="ellipse">
@@ -34520,7 +34520,7 @@
           </p:nvSpPr>
           <p:spPr>
             <a:xfrm>
-              <a:off x="4498916" y="1976289"/>
+              <a:off x="4487372" y="1976289"/>
               <a:ext cx="70347" cy="70347"/>
             </a:xfrm>
             <a:prstGeom prst="ellipse">
@@ -34555,7 +34555,7 @@
           </p:nvSpPr>
           <p:spPr>
             <a:xfrm>
-              <a:off x="4522387" y="2037240"/>
+              <a:off x="4600690" y="2037240"/>
               <a:ext cx="70347" cy="70347"/>
             </a:xfrm>
             <a:prstGeom prst="ellipse">
@@ -34590,7 +34590,7 @@
           </p:nvSpPr>
           <p:spPr>
             <a:xfrm>
-              <a:off x="4577268" y="1945814"/>
+              <a:off x="4511997" y="1945814"/>
               <a:ext cx="70347" cy="70347"/>
             </a:xfrm>
             <a:prstGeom prst="ellipse">
@@ -34625,7 +34625,7 @@
           </p:nvSpPr>
           <p:spPr>
             <a:xfrm>
-              <a:off x="4479633" y="2128665"/>
+              <a:off x="4581965" y="2128665"/>
               <a:ext cx="70347" cy="70347"/>
             </a:xfrm>
             <a:prstGeom prst="ellipse">
@@ -34660,7 +34660,7 @@
           </p:nvSpPr>
           <p:spPr>
             <a:xfrm>
-              <a:off x="4505936" y="2098190"/>
+              <a:off x="4620257" y="2098190"/>
               <a:ext cx="70347" cy="70347"/>
             </a:xfrm>
             <a:prstGeom prst="ellipse">
@@ -34695,7 +34695,7 @@
           </p:nvSpPr>
           <p:spPr>
             <a:xfrm>
-              <a:off x="4531749" y="1945814"/>
+              <a:off x="4511951" y="1945814"/>
               <a:ext cx="70347" cy="70347"/>
             </a:xfrm>
             <a:prstGeom prst="ellipse">
@@ -34730,7 +34730,7 @@
           </p:nvSpPr>
           <p:spPr>
             <a:xfrm>
-              <a:off x="4608491" y="2128665"/>
+              <a:off x="4603028" y="2128665"/>
               <a:ext cx="70347" cy="70347"/>
             </a:xfrm>
             <a:prstGeom prst="ellipse">
@@ -34765,7 +34765,7 @@
           </p:nvSpPr>
           <p:spPr>
             <a:xfrm>
-              <a:off x="4549595" y="2281041"/>
+              <a:off x="4500752" y="2281041"/>
               <a:ext cx="70347" cy="70347"/>
             </a:xfrm>
             <a:prstGeom prst="ellipse">
@@ -34800,7 +34800,7 @@
           </p:nvSpPr>
           <p:spPr>
             <a:xfrm>
-              <a:off x="4603940" y="2067715"/>
+              <a:off x="4508098" y="2067715"/>
               <a:ext cx="70347" cy="70347"/>
             </a:xfrm>
             <a:prstGeom prst="ellipse">
@@ -34835,7 +34835,7 @@
           </p:nvSpPr>
           <p:spPr>
             <a:xfrm>
-              <a:off x="4607058" y="2098190"/>
+              <a:off x="4512882" y="2098190"/>
               <a:ext cx="70347" cy="70347"/>
             </a:xfrm>
             <a:prstGeom prst="ellipse">
@@ -34870,7 +34870,7 @@
           </p:nvSpPr>
           <p:spPr>
             <a:xfrm>
-              <a:off x="4533847" y="2250566"/>
+              <a:off x="4508176" y="2250566"/>
               <a:ext cx="70347" cy="70347"/>
             </a:xfrm>
             <a:prstGeom prst="ellipse">
@@ -34905,7 +34905,7 @@
           </p:nvSpPr>
           <p:spPr>
             <a:xfrm>
-              <a:off x="4572035" y="2281041"/>
+              <a:off x="4580463" y="2281041"/>
               <a:ext cx="70347" cy="70347"/>
             </a:xfrm>
             <a:prstGeom prst="ellipse">
@@ -34940,7 +34940,7 @@
           </p:nvSpPr>
           <p:spPr>
             <a:xfrm>
-              <a:off x="4573743" y="2098190"/>
+              <a:off x="4603987" y="2098190"/>
               <a:ext cx="70347" cy="70347"/>
             </a:xfrm>
             <a:prstGeom prst="ellipse">
@@ -34975,7 +34975,7 @@
           </p:nvSpPr>
           <p:spPr>
             <a:xfrm>
-              <a:off x="4616407" y="2067715"/>
+              <a:off x="4584456" y="2067715"/>
               <a:ext cx="70347" cy="70347"/>
             </a:xfrm>
             <a:prstGeom prst="ellipse">
@@ -35010,7 +35010,7 @@
           </p:nvSpPr>
           <p:spPr>
             <a:xfrm>
-              <a:off x="4484364" y="2159141"/>
+              <a:off x="4545007" y="2159141"/>
               <a:ext cx="70347" cy="70347"/>
             </a:xfrm>
             <a:prstGeom prst="ellipse">
@@ -35045,7 +35045,7 @@
           </p:nvSpPr>
           <p:spPr>
             <a:xfrm>
-              <a:off x="4496901" y="2067715"/>
+              <a:off x="4572597" y="2067715"/>
               <a:ext cx="70347" cy="70347"/>
             </a:xfrm>
             <a:prstGeom prst="ellipse">
@@ -35080,7 +35080,7 @@
           </p:nvSpPr>
           <p:spPr>
             <a:xfrm>
-              <a:off x="4504747" y="2220091"/>
+              <a:off x="4558680" y="2220091"/>
               <a:ext cx="70347" cy="70347"/>
             </a:xfrm>
             <a:prstGeom prst="ellipse">
@@ -35115,7 +35115,7 @@
           </p:nvSpPr>
           <p:spPr>
             <a:xfrm>
-              <a:off x="4590337" y="2006765"/>
+              <a:off x="4472270" y="2006765"/>
               <a:ext cx="70347" cy="70347"/>
             </a:xfrm>
             <a:prstGeom prst="ellipse">
@@ -35150,7 +35150,7 @@
           </p:nvSpPr>
           <p:spPr>
             <a:xfrm>
-              <a:off x="4521091" y="2098190"/>
+              <a:off x="4490777" y="2098190"/>
               <a:ext cx="70347" cy="70347"/>
             </a:xfrm>
             <a:prstGeom prst="ellipse">
@@ -35185,7 +35185,7 @@
           </p:nvSpPr>
           <p:spPr>
             <a:xfrm>
-              <a:off x="4988492" y="1488686"/>
+              <a:off x="4905160" y="1488686"/>
               <a:ext cx="70347" cy="70347"/>
             </a:xfrm>
             <a:prstGeom prst="ellipse">
@@ -35220,7 +35220,7 @@
           </p:nvSpPr>
           <p:spPr>
             <a:xfrm>
-              <a:off x="4855754" y="1671537"/>
+              <a:off x="4879345" y="1671537"/>
               <a:ext cx="70347" cy="70347"/>
             </a:xfrm>
             <a:prstGeom prst="ellipse">
@@ -35255,7 +35255,7 @@
           </p:nvSpPr>
           <p:spPr>
             <a:xfrm>
-              <a:off x="4970833" y="1519162"/>
+              <a:off x="4892451" y="1519162"/>
               <a:ext cx="70347" cy="70347"/>
             </a:xfrm>
             <a:prstGeom prst="ellipse">
@@ -35290,7 +35290,7 @@
           </p:nvSpPr>
           <p:spPr>
             <a:xfrm>
-              <a:off x="4886199" y="1945814"/>
+              <a:off x="4955550" y="1945814"/>
               <a:ext cx="70347" cy="70347"/>
             </a:xfrm>
             <a:prstGeom prst="ellipse">
@@ -35325,7 +35325,7 @@
           </p:nvSpPr>
           <p:spPr>
             <a:xfrm>
-              <a:off x="4886126" y="1641062"/>
+              <a:off x="4976504" y="1641062"/>
               <a:ext cx="70347" cy="70347"/>
             </a:xfrm>
             <a:prstGeom prst="ellipse">
@@ -35360,7 +35360,7 @@
           </p:nvSpPr>
           <p:spPr>
             <a:xfrm>
-              <a:off x="4947549" y="1884864"/>
+              <a:off x="4926285" y="1884864"/>
               <a:ext cx="70347" cy="70347"/>
             </a:xfrm>
             <a:prstGeom prst="ellipse">
@@ -35395,7 +35395,7 @@
           </p:nvSpPr>
           <p:spPr>
             <a:xfrm>
-              <a:off x="4990053" y="1702013"/>
+              <a:off x="4868351" y="1702013"/>
               <a:ext cx="70347" cy="70347"/>
             </a:xfrm>
             <a:prstGeom prst="ellipse">
@@ -35430,7 +35430,7 @@
           </p:nvSpPr>
           <p:spPr>
             <a:xfrm>
-              <a:off x="4869033" y="2128665"/>
+              <a:off x="4967904" y="2128665"/>
               <a:ext cx="70347" cy="70347"/>
             </a:xfrm>
             <a:prstGeom prst="ellipse">
@@ -35465,7 +35465,7 @@
           </p:nvSpPr>
           <p:spPr>
             <a:xfrm>
-              <a:off x="4872812" y="1610587"/>
+              <a:off x="4883762" y="1610587"/>
               <a:ext cx="70347" cy="70347"/>
             </a:xfrm>
             <a:prstGeom prst="ellipse">
@@ -35500,7 +35500,7 @@
           </p:nvSpPr>
           <p:spPr>
             <a:xfrm>
-              <a:off x="4944421" y="2037240"/>
+              <a:off x="4860723" y="2037240"/>
               <a:ext cx="70347" cy="70347"/>
             </a:xfrm>
             <a:prstGeom prst="ellipse">
@@ -35535,7 +35535,7 @@
           </p:nvSpPr>
           <p:spPr>
             <a:xfrm>
-              <a:off x="4987877" y="2098190"/>
+              <a:off x="4947103" y="2098190"/>
               <a:ext cx="70347" cy="70347"/>
             </a:xfrm>
             <a:prstGeom prst="ellipse">
@@ -35570,7 +35570,7 @@
           </p:nvSpPr>
           <p:spPr>
             <a:xfrm>
-              <a:off x="4969664" y="1823913"/>
+              <a:off x="4984975" y="1823913"/>
               <a:ext cx="70347" cy="70347"/>
             </a:xfrm>
             <a:prstGeom prst="ellipse">
@@ -35605,7 +35605,7 @@
           </p:nvSpPr>
           <p:spPr>
             <a:xfrm>
-              <a:off x="4914461" y="1793438"/>
+              <a:off x="4897921" y="1793438"/>
               <a:ext cx="70347" cy="70347"/>
             </a:xfrm>
             <a:prstGeom prst="ellipse">
@@ -35640,7 +35640,7 @@
           </p:nvSpPr>
           <p:spPr>
             <a:xfrm>
-              <a:off x="4977283" y="1762963"/>
+              <a:off x="4865156" y="1762963"/>
               <a:ext cx="70347" cy="70347"/>
             </a:xfrm>
             <a:prstGeom prst="ellipse">
@@ -35675,7 +35675,7 @@
           </p:nvSpPr>
           <p:spPr>
             <a:xfrm>
-              <a:off x="4884940" y="1915339"/>
+              <a:off x="4866949" y="1915339"/>
               <a:ext cx="70347" cy="70347"/>
             </a:xfrm>
             <a:prstGeom prst="ellipse">
@@ -35710,7 +35710,7 @@
           </p:nvSpPr>
           <p:spPr>
             <a:xfrm>
-              <a:off x="4954369" y="1580112"/>
+              <a:off x="5000690" y="1580112"/>
               <a:ext cx="70347" cy="70347"/>
             </a:xfrm>
             <a:prstGeom prst="ellipse">
@@ -35745,7 +35745,7 @@
           </p:nvSpPr>
           <p:spPr>
             <a:xfrm>
-              <a:off x="4933359" y="1915339"/>
+              <a:off x="4917381" y="1915339"/>
               <a:ext cx="70347" cy="70347"/>
             </a:xfrm>
             <a:prstGeom prst="ellipse">
@@ -35780,7 +35780,7 @@
           </p:nvSpPr>
           <p:spPr>
             <a:xfrm>
-              <a:off x="4993498" y="1854389"/>
+              <a:off x="4938461" y="1854389"/>
               <a:ext cx="70347" cy="70347"/>
             </a:xfrm>
             <a:prstGeom prst="ellipse">
@@ -35815,7 +35815,7 @@
           </p:nvSpPr>
           <p:spPr>
             <a:xfrm>
-              <a:off x="4878636" y="1732488"/>
+              <a:off x="5000940" y="1732488"/>
               <a:ext cx="70347" cy="70347"/>
             </a:xfrm>
             <a:prstGeom prst="ellipse">
@@ -35850,7 +35850,7 @@
           </p:nvSpPr>
           <p:spPr>
             <a:xfrm>
-              <a:off x="4976388" y="1915339"/>
+              <a:off x="4887353" y="1915339"/>
               <a:ext cx="70347" cy="70347"/>
             </a:xfrm>
             <a:prstGeom prst="ellipse">
@@ -35885,7 +35885,7 @@
           </p:nvSpPr>
           <p:spPr>
             <a:xfrm>
-              <a:off x="4994726" y="1823913"/>
+              <a:off x="4949238" y="1823913"/>
               <a:ext cx="70347" cy="70347"/>
             </a:xfrm>
             <a:prstGeom prst="ellipse">
@@ -35920,7 +35920,7 @@
           </p:nvSpPr>
           <p:spPr>
             <a:xfrm>
-              <a:off x="4943826" y="1762963"/>
+              <a:off x="4923741" y="1762963"/>
               <a:ext cx="70347" cy="70347"/>
             </a:xfrm>
             <a:prstGeom prst="ellipse">
@@ -35955,7 +35955,7 @@
           </p:nvSpPr>
           <p:spPr>
             <a:xfrm>
-              <a:off x="4952845" y="1702013"/>
+              <a:off x="4972983" y="1702013"/>
               <a:ext cx="70347" cy="70347"/>
             </a:xfrm>
             <a:prstGeom prst="ellipse">
@@ -35990,7 +35990,7 @@
           </p:nvSpPr>
           <p:spPr>
             <a:xfrm>
-              <a:off x="4928666" y="1762963"/>
+              <a:off x="4867656" y="1762963"/>
               <a:ext cx="70347" cy="70347"/>
             </a:xfrm>
             <a:prstGeom prst="ellipse">
@@ -36025,7 +36025,7 @@
           </p:nvSpPr>
           <p:spPr>
             <a:xfrm>
-              <a:off x="4886694" y="1671537"/>
+              <a:off x="4941872" y="1671537"/>
               <a:ext cx="70347" cy="70347"/>
             </a:xfrm>
             <a:prstGeom prst="ellipse">
@@ -36060,7 +36060,7 @@
           </p:nvSpPr>
           <p:spPr>
             <a:xfrm>
-              <a:off x="4997480" y="1610587"/>
+              <a:off x="4981451" y="1610587"/>
               <a:ext cx="70347" cy="70347"/>
             </a:xfrm>
             <a:prstGeom prst="ellipse">
@@ -36095,7 +36095,7 @@
           </p:nvSpPr>
           <p:spPr>
             <a:xfrm>
-              <a:off x="4941331" y="1549637"/>
+              <a:off x="4866566" y="1549637"/>
               <a:ext cx="70347" cy="70347"/>
             </a:xfrm>
             <a:prstGeom prst="ellipse">
@@ -36130,7 +36130,7 @@
           </p:nvSpPr>
           <p:spPr>
             <a:xfrm>
-              <a:off x="4932705" y="1580112"/>
+              <a:off x="4909376" y="1580112"/>
               <a:ext cx="70347" cy="70347"/>
             </a:xfrm>
             <a:prstGeom prst="ellipse">
@@ -36165,7 +36165,7 @@
           </p:nvSpPr>
           <p:spPr>
             <a:xfrm>
-              <a:off x="4956704" y="1793438"/>
+              <a:off x="4872967" y="1793438"/>
               <a:ext cx="70347" cy="70347"/>
             </a:xfrm>
             <a:prstGeom prst="ellipse">
@@ -36200,7 +36200,7 @@
           </p:nvSpPr>
           <p:spPr>
             <a:xfrm>
-              <a:off x="4865824" y="1884864"/>
+              <a:off x="4944010" y="1884864"/>
               <a:ext cx="70347" cy="70347"/>
             </a:xfrm>
             <a:prstGeom prst="ellipse">
@@ -36235,7 +36235,7 @@
           </p:nvSpPr>
           <p:spPr>
             <a:xfrm>
-              <a:off x="4941820" y="1945814"/>
+              <a:off x="4871497" y="1945814"/>
               <a:ext cx="70347" cy="70347"/>
             </a:xfrm>
             <a:prstGeom prst="ellipse">
@@ -36270,7 +36270,7 @@
           </p:nvSpPr>
           <p:spPr>
             <a:xfrm>
-              <a:off x="4981060" y="1945814"/>
+              <a:off x="4939573" y="1945814"/>
               <a:ext cx="70347" cy="70347"/>
             </a:xfrm>
             <a:prstGeom prst="ellipse">
@@ -36305,7 +36305,7 @@
           </p:nvSpPr>
           <p:spPr>
             <a:xfrm>
-              <a:off x="4863853" y="1854389"/>
+              <a:off x="4897241" y="1854389"/>
               <a:ext cx="70347" cy="70347"/>
             </a:xfrm>
             <a:prstGeom prst="ellipse">
@@ -36340,7 +36340,7 @@
           </p:nvSpPr>
           <p:spPr>
             <a:xfrm>
-              <a:off x="4963715" y="1793438"/>
+              <a:off x="4917451" y="1793438"/>
               <a:ext cx="70347" cy="70347"/>
             </a:xfrm>
             <a:prstGeom prst="ellipse">
@@ -36375,7 +36375,7 @@
           </p:nvSpPr>
           <p:spPr>
             <a:xfrm>
-              <a:off x="4902234" y="1976289"/>
+              <a:off x="4930550" y="1976289"/>
               <a:ext cx="70347" cy="70347"/>
             </a:xfrm>
             <a:prstGeom prst="ellipse">
@@ -36410,7 +36410,7 @@
           </p:nvSpPr>
           <p:spPr>
             <a:xfrm>
-              <a:off x="4911918" y="1793438"/>
+              <a:off x="4869881" y="1793438"/>
               <a:ext cx="70347" cy="70347"/>
             </a:xfrm>
             <a:prstGeom prst="ellipse">
@@ -36445,7 +36445,7 @@
           </p:nvSpPr>
           <p:spPr>
             <a:xfrm>
-              <a:off x="4860781" y="1580112"/>
+              <a:off x="4905753" y="1580112"/>
               <a:ext cx="70347" cy="70347"/>
             </a:xfrm>
             <a:prstGeom prst="ellipse">
@@ -36480,7 +36480,7 @@
           </p:nvSpPr>
           <p:spPr>
             <a:xfrm>
-              <a:off x="4857832" y="1702013"/>
+              <a:off x="4993941" y="1702013"/>
               <a:ext cx="70347" cy="70347"/>
             </a:xfrm>
             <a:prstGeom prst="ellipse">
@@ -36515,7 +36515,7 @@
           </p:nvSpPr>
           <p:spPr>
             <a:xfrm>
-              <a:off x="4903178" y="1915339"/>
+              <a:off x="4995349" y="1915339"/>
               <a:ext cx="70347" cy="70347"/>
             </a:xfrm>
             <a:prstGeom prst="ellipse">
@@ -36550,7 +36550,7 @@
           </p:nvSpPr>
           <p:spPr>
             <a:xfrm>
-              <a:off x="4924532" y="1945814"/>
+              <a:off x="4876788" y="1945814"/>
               <a:ext cx="70347" cy="70347"/>
             </a:xfrm>
             <a:prstGeom prst="ellipse">
@@ -36585,7 +36585,7 @@
           </p:nvSpPr>
           <p:spPr>
             <a:xfrm>
-              <a:off x="4974317" y="1945814"/>
+              <a:off x="4916325" y="1945814"/>
               <a:ext cx="70347" cy="70347"/>
             </a:xfrm>
             <a:prstGeom prst="ellipse">
@@ -36620,7 +36620,7 @@
           </p:nvSpPr>
           <p:spPr>
             <a:xfrm>
-              <a:off x="4916226" y="1762963"/>
+              <a:off x="4984635" y="1762963"/>
               <a:ext cx="70347" cy="70347"/>
             </a:xfrm>
             <a:prstGeom prst="ellipse">
@@ -36655,7 +36655,7 @@
           </p:nvSpPr>
           <p:spPr>
             <a:xfrm>
-              <a:off x="4884759" y="1854389"/>
+              <a:off x="4852927" y="1854389"/>
               <a:ext cx="70347" cy="70347"/>
             </a:xfrm>
             <a:prstGeom prst="ellipse">
@@ -36690,7 +36690,7 @@
           </p:nvSpPr>
           <p:spPr>
             <a:xfrm>
-              <a:off x="4988115" y="2098190"/>
+              <a:off x="4991299" y="2098190"/>
               <a:ext cx="70347" cy="70347"/>
             </a:xfrm>
             <a:prstGeom prst="ellipse">
@@ -36725,7 +36725,7 @@
           </p:nvSpPr>
           <p:spPr>
             <a:xfrm>
-              <a:off x="4941756" y="1915339"/>
+              <a:off x="4969182" y="1915339"/>
               <a:ext cx="70347" cy="70347"/>
             </a:xfrm>
             <a:prstGeom prst="ellipse">
@@ -36760,7 +36760,7 @@
           </p:nvSpPr>
           <p:spPr>
             <a:xfrm>
-              <a:off x="4904341" y="1884864"/>
+              <a:off x="4860766" y="1884864"/>
               <a:ext cx="70347" cy="70347"/>
             </a:xfrm>
             <a:prstGeom prst="ellipse">
@@ -36795,7 +36795,7 @@
           </p:nvSpPr>
           <p:spPr>
             <a:xfrm>
-              <a:off x="4862047" y="1884864"/>
+              <a:off x="4921354" y="1884864"/>
               <a:ext cx="70347" cy="70347"/>
             </a:xfrm>
             <a:prstGeom prst="ellipse">
@@ -36830,7 +36830,7 @@
           </p:nvSpPr>
           <p:spPr>
             <a:xfrm>
-              <a:off x="4919655" y="1732488"/>
+              <a:off x="4928472" y="1732488"/>
               <a:ext cx="70347" cy="70347"/>
             </a:xfrm>
             <a:prstGeom prst="ellipse">
@@ -36865,7 +36865,7 @@
           </p:nvSpPr>
           <p:spPr>
             <a:xfrm>
-              <a:off x="4911292" y="2067715"/>
+              <a:off x="4877043" y="2067715"/>
               <a:ext cx="70347" cy="70347"/>
             </a:xfrm>
             <a:prstGeom prst="ellipse">
@@ -36900,7 +36900,7 @@
           </p:nvSpPr>
           <p:spPr>
             <a:xfrm>
-              <a:off x="4900694" y="1884864"/>
+              <a:off x="4903259" y="1884864"/>
               <a:ext cx="70347" cy="70347"/>
             </a:xfrm>
             <a:prstGeom prst="ellipse">
@@ -36935,7 +36935,7 @@
           </p:nvSpPr>
           <p:spPr>
             <a:xfrm>
-              <a:off x="5287501" y="1702013"/>
+              <a:off x="5359025" y="1702013"/>
               <a:ext cx="70347" cy="70347"/>
             </a:xfrm>
             <a:prstGeom prst="ellipse">
@@ -36970,7 +36970,7 @@
           </p:nvSpPr>
           <p:spPr>
             <a:xfrm>
-              <a:off x="5308972" y="1854389"/>
+              <a:off x="5330496" y="1854389"/>
               <a:ext cx="70347" cy="70347"/>
             </a:xfrm>
             <a:prstGeom prst="ellipse">
@@ -37005,7 +37005,7 @@
           </p:nvSpPr>
           <p:spPr>
             <a:xfrm>
-              <a:off x="5285134" y="1458211"/>
+              <a:off x="5321962" y="1458211"/>
               <a:ext cx="70347" cy="70347"/>
             </a:xfrm>
             <a:prstGeom prst="ellipse">
@@ -37040,7 +37040,7 @@
           </p:nvSpPr>
           <p:spPr>
             <a:xfrm>
-              <a:off x="5283002" y="1702013"/>
+              <a:off x="5243929" y="1702013"/>
               <a:ext cx="70347" cy="70347"/>
             </a:xfrm>
             <a:prstGeom prst="ellipse">
@@ -37075,7 +37075,7 @@
           </p:nvSpPr>
           <p:spPr>
             <a:xfrm>
-              <a:off x="5259800" y="1641062"/>
+              <a:off x="5323409" y="1641062"/>
               <a:ext cx="70347" cy="70347"/>
             </a:xfrm>
             <a:prstGeom prst="ellipse">
@@ -37110,7 +37110,7 @@
           </p:nvSpPr>
           <p:spPr>
             <a:xfrm>
-              <a:off x="5233100" y="1305835"/>
+              <a:off x="5376304" y="1305835"/>
               <a:ext cx="70347" cy="70347"/>
             </a:xfrm>
             <a:prstGeom prst="ellipse">
@@ -37145,7 +37145,7 @@
           </p:nvSpPr>
           <p:spPr>
             <a:xfrm>
-              <a:off x="5320628" y="2128665"/>
+              <a:off x="5364410" y="2128665"/>
               <a:ext cx="70347" cy="70347"/>
             </a:xfrm>
             <a:prstGeom prst="ellipse">
@@ -37180,7 +37180,7 @@
           </p:nvSpPr>
           <p:spPr>
             <a:xfrm>
-              <a:off x="5251665" y="1397261"/>
+              <a:off x="5372618" y="1397261"/>
               <a:ext cx="70347" cy="70347"/>
             </a:xfrm>
             <a:prstGeom prst="ellipse">
@@ -37215,7 +37215,7 @@
           </p:nvSpPr>
           <p:spPr>
             <a:xfrm>
-              <a:off x="5376400" y="1580112"/>
+              <a:off x="5275090" y="1580112"/>
               <a:ext cx="70347" cy="70347"/>
             </a:xfrm>
             <a:prstGeom prst="ellipse">
@@ -37250,7 +37250,7 @@
           </p:nvSpPr>
           <p:spPr>
             <a:xfrm>
-              <a:off x="5381707" y="1427736"/>
+              <a:off x="5242567" y="1427736"/>
               <a:ext cx="70347" cy="70347"/>
             </a:xfrm>
             <a:prstGeom prst="ellipse">
@@ -37285,7 +37285,7 @@
           </p:nvSpPr>
           <p:spPr>
             <a:xfrm>
-              <a:off x="5323941" y="1641062"/>
+              <a:off x="5277822" y="1641062"/>
               <a:ext cx="70347" cy="70347"/>
             </a:xfrm>
             <a:prstGeom prst="ellipse">
@@ -37320,7 +37320,7 @@
           </p:nvSpPr>
           <p:spPr>
             <a:xfrm>
-              <a:off x="5360737" y="1671537"/>
+              <a:off x="5238149" y="1671537"/>
               <a:ext cx="70347" cy="70347"/>
             </a:xfrm>
             <a:prstGeom prst="ellipse">
@@ -37355,7 +37355,7 @@
           </p:nvSpPr>
           <p:spPr>
             <a:xfrm>
-              <a:off x="5312817" y="1549637"/>
+              <a:off x="5340838" y="1549637"/>
               <a:ext cx="70347" cy="70347"/>
             </a:xfrm>
             <a:prstGeom prst="ellipse">
@@ -37390,7 +37390,7 @@
           </p:nvSpPr>
           <p:spPr>
             <a:xfrm>
-              <a:off x="5295648" y="1884864"/>
+              <a:off x="5234395" y="1884864"/>
               <a:ext cx="70347" cy="70347"/>
             </a:xfrm>
             <a:prstGeom prst="ellipse">
@@ -37425,7 +37425,7 @@
           </p:nvSpPr>
           <p:spPr>
             <a:xfrm>
-              <a:off x="5342430" y="1854389"/>
+              <a:off x="5355217" y="1854389"/>
               <a:ext cx="70347" cy="70347"/>
             </a:xfrm>
             <a:prstGeom prst="ellipse">
@@ -37460,7 +37460,7 @@
           </p:nvSpPr>
           <p:spPr>
             <a:xfrm>
-              <a:off x="5267048" y="1671537"/>
+              <a:off x="5349133" y="1671537"/>
               <a:ext cx="70347" cy="70347"/>
             </a:xfrm>
             <a:prstGeom prst="ellipse">
@@ -37495,7 +37495,7 @@
           </p:nvSpPr>
           <p:spPr>
             <a:xfrm>
-              <a:off x="5329888" y="1641062"/>
+              <a:off x="5335877" y="1641062"/>
               <a:ext cx="70347" cy="70347"/>
             </a:xfrm>
             <a:prstGeom prst="ellipse">
@@ -37530,7 +37530,7 @@
           </p:nvSpPr>
           <p:spPr>
             <a:xfrm>
-              <a:off x="5362250" y="1275360"/>
+              <a:off x="5359282" y="1275360"/>
               <a:ext cx="70347" cy="70347"/>
             </a:xfrm>
             <a:prstGeom prst="ellipse">
@@ -37565,7 +37565,7 @@
           </p:nvSpPr>
           <p:spPr>
             <a:xfrm>
-              <a:off x="5355964" y="1275360"/>
+              <a:off x="5314689" y="1275360"/>
               <a:ext cx="70347" cy="70347"/>
             </a:xfrm>
             <a:prstGeom prst="ellipse">
@@ -37600,7 +37600,7 @@
           </p:nvSpPr>
           <p:spPr>
             <a:xfrm>
-              <a:off x="5248064" y="1793438"/>
+              <a:off x="5292027" y="1793438"/>
               <a:ext cx="70347" cy="70347"/>
             </a:xfrm>
             <a:prstGeom prst="ellipse">
@@ -37635,7 +37635,7 @@
           </p:nvSpPr>
           <p:spPr>
             <a:xfrm>
-              <a:off x="5241549" y="1519162"/>
+              <a:off x="5248451" y="1519162"/>
               <a:ext cx="70347" cy="70347"/>
             </a:xfrm>
             <a:prstGeom prst="ellipse">
@@ -37670,7 +37670,7 @@
           </p:nvSpPr>
           <p:spPr>
             <a:xfrm>
-              <a:off x="5294775" y="1915339"/>
+              <a:off x="5351633" y="1915339"/>
               <a:ext cx="70347" cy="70347"/>
             </a:xfrm>
             <a:prstGeom prst="ellipse">
@@ -37705,7 +37705,7 @@
           </p:nvSpPr>
           <p:spPr>
             <a:xfrm>
-              <a:off x="5291329" y="1275360"/>
+              <a:off x="5352078" y="1275360"/>
               <a:ext cx="70347" cy="70347"/>
             </a:xfrm>
             <a:prstGeom prst="ellipse">
@@ -37740,7 +37740,7 @@
           </p:nvSpPr>
           <p:spPr>
             <a:xfrm>
-              <a:off x="5377872" y="1702013"/>
+              <a:off x="5320439" y="1702013"/>
               <a:ext cx="70347" cy="70347"/>
             </a:xfrm>
             <a:prstGeom prst="ellipse">
@@ -37775,7 +37775,7 @@
           </p:nvSpPr>
           <p:spPr>
             <a:xfrm>
-              <a:off x="5283670" y="1580112"/>
+              <a:off x="5340892" y="1580112"/>
               <a:ext cx="70347" cy="70347"/>
             </a:xfrm>
             <a:prstGeom prst="ellipse">
@@ -37810,7 +37810,7 @@
           </p:nvSpPr>
           <p:spPr>
             <a:xfrm>
-              <a:off x="5303244" y="1427736"/>
+              <a:off x="5372052" y="1427736"/>
               <a:ext cx="70347" cy="70347"/>
             </a:xfrm>
             <a:prstGeom prst="ellipse">
@@ -37845,7 +37845,7 @@
           </p:nvSpPr>
           <p:spPr>
             <a:xfrm>
-              <a:off x="5303023" y="1732488"/>
+              <a:off x="5300429" y="1732488"/>
               <a:ext cx="70347" cy="70347"/>
             </a:xfrm>
             <a:prstGeom prst="ellipse">
@@ -37880,7 +37880,7 @@
           </p:nvSpPr>
           <p:spPr>
             <a:xfrm>
-              <a:off x="5365954" y="1762963"/>
+              <a:off x="5289924" y="1762963"/>
               <a:ext cx="70347" cy="70347"/>
             </a:xfrm>
             <a:prstGeom prst="ellipse">
@@ -37915,7 +37915,7 @@
           </p:nvSpPr>
           <p:spPr>
             <a:xfrm>
-              <a:off x="5301370" y="1671537"/>
+              <a:off x="5330055" y="1671537"/>
               <a:ext cx="70347" cy="70347"/>
             </a:xfrm>
             <a:prstGeom prst="ellipse">
@@ -37950,7 +37950,7 @@
           </p:nvSpPr>
           <p:spPr>
             <a:xfrm>
-              <a:off x="5275692" y="1427736"/>
+              <a:off x="5287623" y="1427736"/>
               <a:ext cx="70347" cy="70347"/>
             </a:xfrm>
             <a:prstGeom prst="ellipse">
@@ -37985,7 +37985,7 @@
           </p:nvSpPr>
           <p:spPr>
             <a:xfrm>
-              <a:off x="5378302" y="1366786"/>
+              <a:off x="5308050" y="1366786"/>
               <a:ext cx="70347" cy="70347"/>
             </a:xfrm>
             <a:prstGeom prst="ellipse">
@@ -38020,7 +38020,7 @@
           </p:nvSpPr>
           <p:spPr>
             <a:xfrm>
-              <a:off x="5294322" y="1214410"/>
+              <a:off x="5300057" y="1214410"/>
               <a:ext cx="70347" cy="70347"/>
             </a:xfrm>
             <a:prstGeom prst="ellipse">
@@ -38055,7 +38055,7 @@
           </p:nvSpPr>
           <p:spPr>
             <a:xfrm>
-              <a:off x="5340187" y="1671537"/>
+              <a:off x="5296884" y="1671537"/>
               <a:ext cx="70347" cy="70347"/>
             </a:xfrm>
             <a:prstGeom prst="ellipse">
@@ -38090,7 +38090,7 @@
           </p:nvSpPr>
           <p:spPr>
             <a:xfrm>
-              <a:off x="5274290" y="1702013"/>
+              <a:off x="5276184" y="1702013"/>
               <a:ext cx="70347" cy="70347"/>
             </a:xfrm>
             <a:prstGeom prst="ellipse">
@@ -38125,7 +38125,7 @@
           </p:nvSpPr>
           <p:spPr>
             <a:xfrm>
-              <a:off x="5266313" y="1762963"/>
+              <a:off x="5358397" y="1762963"/>
               <a:ext cx="70347" cy="70347"/>
             </a:xfrm>
             <a:prstGeom prst="ellipse">
@@ -38160,7 +38160,7 @@
           </p:nvSpPr>
           <p:spPr>
             <a:xfrm>
-              <a:off x="5277130" y="1275360"/>
+              <a:off x="5362816" y="1275360"/>
               <a:ext cx="70347" cy="70347"/>
             </a:xfrm>
             <a:prstGeom prst="ellipse">
@@ -38195,7 +38195,7 @@
           </p:nvSpPr>
           <p:spPr>
             <a:xfrm>
-              <a:off x="5326894" y="1702013"/>
+              <a:off x="5349143" y="1702013"/>
               <a:ext cx="70347" cy="70347"/>
             </a:xfrm>
             <a:prstGeom prst="ellipse">
@@ -38230,7 +38230,7 @@
           </p:nvSpPr>
           <p:spPr>
             <a:xfrm>
-              <a:off x="5357378" y="1671537"/>
+              <a:off x="5331189" y="1671537"/>
               <a:ext cx="70347" cy="70347"/>
             </a:xfrm>
             <a:prstGeom prst="ellipse">
@@ -38265,7 +38265,7 @@
           </p:nvSpPr>
           <p:spPr>
             <a:xfrm>
-              <a:off x="5240430" y="1793438"/>
+              <a:off x="5267359" y="1793438"/>
               <a:ext cx="70347" cy="70347"/>
             </a:xfrm>
             <a:prstGeom prst="ellipse">
@@ -38300,7 +38300,7 @@
           </p:nvSpPr>
           <p:spPr>
             <a:xfrm>
-              <a:off x="5293653" y="1519162"/>
+              <a:off x="5358994" y="1519162"/>
               <a:ext cx="70347" cy="70347"/>
             </a:xfrm>
             <a:prstGeom prst="ellipse">
@@ -38335,7 +38335,7 @@
           </p:nvSpPr>
           <p:spPr>
             <a:xfrm>
-              <a:off x="5268604" y="1580112"/>
+              <a:off x="5361685" y="1580112"/>
               <a:ext cx="70347" cy="70347"/>
             </a:xfrm>
             <a:prstGeom prst="ellipse">
@@ -38370,7 +38370,7 @@
           </p:nvSpPr>
           <p:spPr>
             <a:xfrm>
-              <a:off x="5318595" y="1519162"/>
+              <a:off x="5256139" y="1519162"/>
               <a:ext cx="70347" cy="70347"/>
             </a:xfrm>
             <a:prstGeom prst="ellipse">
@@ -38405,7 +38405,7 @@
           </p:nvSpPr>
           <p:spPr>
             <a:xfrm>
-              <a:off x="5251786" y="1854389"/>
+              <a:off x="5273413" y="1854389"/>
               <a:ext cx="70347" cy="70347"/>
             </a:xfrm>
             <a:prstGeom prst="ellipse">
@@ -38440,7 +38440,7 @@
           </p:nvSpPr>
           <p:spPr>
             <a:xfrm>
-              <a:off x="5312041" y="1549637"/>
+              <a:off x="5243525" y="1549637"/>
               <a:ext cx="70347" cy="70347"/>
             </a:xfrm>
             <a:prstGeom prst="ellipse">
@@ -38475,7 +38475,7 @@
           </p:nvSpPr>
           <p:spPr>
             <a:xfrm>
-              <a:off x="5237445" y="1580112"/>
+              <a:off x="5277935" y="1580112"/>
               <a:ext cx="70347" cy="70347"/>
             </a:xfrm>
             <a:prstGeom prst="ellipse">
@@ -38510,7 +38510,7 @@
           </p:nvSpPr>
           <p:spPr>
             <a:xfrm>
-              <a:off x="5301716" y="1580112"/>
+              <a:off x="5315229" y="1580112"/>
               <a:ext cx="70347" cy="70347"/>
             </a:xfrm>
             <a:prstGeom prst="ellipse">
@@ -38545,7 +38545,7 @@
           </p:nvSpPr>
           <p:spPr>
             <a:xfrm>
-              <a:off x="5263135" y="1702013"/>
+              <a:off x="5294406" y="1702013"/>
               <a:ext cx="70347" cy="70347"/>
             </a:xfrm>
             <a:prstGeom prst="ellipse">
@@ -38580,7 +38580,7 @@
           </p:nvSpPr>
           <p:spPr>
             <a:xfrm>
-              <a:off x="5374796" y="1641062"/>
+              <a:off x="5359792" y="1641062"/>
               <a:ext cx="70347" cy="70347"/>
             </a:xfrm>
             <a:prstGeom prst="ellipse">
@@ -38615,7 +38615,7 @@
           </p:nvSpPr>
           <p:spPr>
             <a:xfrm>
-              <a:off x="5361905" y="1732488"/>
+              <a:off x="5340828" y="1732488"/>
               <a:ext cx="70347" cy="70347"/>
             </a:xfrm>
             <a:prstGeom prst="ellipse">
@@ -38650,7 +38650,7 @@
           </p:nvSpPr>
           <p:spPr>
             <a:xfrm>
-              <a:off x="5354674" y="1823913"/>
+              <a:off x="5326309" y="1823913"/>
               <a:ext cx="70347" cy="70347"/>
             </a:xfrm>
             <a:prstGeom prst="ellipse">
